--- a/coordination/images/source.pptx
+++ b/coordination/images/source.pptx
@@ -8,6 +8,7 @@
     <p:sldId id="256" r:id="rId2"/>
     <p:sldId id="257" r:id="rId3"/>
     <p:sldId id="258" r:id="rId4"/>
+    <p:sldId id="259" r:id="rId5"/>
   </p:sldIdLst>
   <p:sldSz cx="9144000" cy="6858000" type="screen4x3"/>
   <p:notesSz cx="6858000" cy="9144000"/>
@@ -290,7 +291,7 @@
           <a:p>
             <a:fld id="{A69DA47C-9C00-468B-A71A-8F4BF2A3DA9E}" type="datetimeFigureOut">
               <a:rPr lang="en-US" smtClean="0"/>
-              <a:t>15/11/2016</a:t>
+              <a:t>08/12/2016</a:t>
             </a:fld>
             <a:endParaRPr lang="en-US"/>
           </a:p>
@@ -460,7 +461,7 @@
           <a:p>
             <a:fld id="{A69DA47C-9C00-468B-A71A-8F4BF2A3DA9E}" type="datetimeFigureOut">
               <a:rPr lang="en-US" smtClean="0"/>
-              <a:t>15/11/2016</a:t>
+              <a:t>08/12/2016</a:t>
             </a:fld>
             <a:endParaRPr lang="en-US"/>
           </a:p>
@@ -640,7 +641,7 @@
           <a:p>
             <a:fld id="{A69DA47C-9C00-468B-A71A-8F4BF2A3DA9E}" type="datetimeFigureOut">
               <a:rPr lang="en-US" smtClean="0"/>
-              <a:t>15/11/2016</a:t>
+              <a:t>08/12/2016</a:t>
             </a:fld>
             <a:endParaRPr lang="en-US"/>
           </a:p>
@@ -810,7 +811,7 @@
           <a:p>
             <a:fld id="{A69DA47C-9C00-468B-A71A-8F4BF2A3DA9E}" type="datetimeFigureOut">
               <a:rPr lang="en-US" smtClean="0"/>
-              <a:t>15/11/2016</a:t>
+              <a:t>08/12/2016</a:t>
             </a:fld>
             <a:endParaRPr lang="en-US"/>
           </a:p>
@@ -1056,7 +1057,7 @@
           <a:p>
             <a:fld id="{A69DA47C-9C00-468B-A71A-8F4BF2A3DA9E}" type="datetimeFigureOut">
               <a:rPr lang="en-US" smtClean="0"/>
-              <a:t>15/11/2016</a:t>
+              <a:t>08/12/2016</a:t>
             </a:fld>
             <a:endParaRPr lang="en-US"/>
           </a:p>
@@ -1344,7 +1345,7 @@
           <a:p>
             <a:fld id="{A69DA47C-9C00-468B-A71A-8F4BF2A3DA9E}" type="datetimeFigureOut">
               <a:rPr lang="en-US" smtClean="0"/>
-              <a:t>15/11/2016</a:t>
+              <a:t>08/12/2016</a:t>
             </a:fld>
             <a:endParaRPr lang="en-US"/>
           </a:p>
@@ -1766,7 +1767,7 @@
           <a:p>
             <a:fld id="{A69DA47C-9C00-468B-A71A-8F4BF2A3DA9E}" type="datetimeFigureOut">
               <a:rPr lang="en-US" smtClean="0"/>
-              <a:t>15/11/2016</a:t>
+              <a:t>08/12/2016</a:t>
             </a:fld>
             <a:endParaRPr lang="en-US"/>
           </a:p>
@@ -1884,7 +1885,7 @@
           <a:p>
             <a:fld id="{A69DA47C-9C00-468B-A71A-8F4BF2A3DA9E}" type="datetimeFigureOut">
               <a:rPr lang="en-US" smtClean="0"/>
-              <a:t>15/11/2016</a:t>
+              <a:t>08/12/2016</a:t>
             </a:fld>
             <a:endParaRPr lang="en-US"/>
           </a:p>
@@ -1979,7 +1980,7 @@
           <a:p>
             <a:fld id="{A69DA47C-9C00-468B-A71A-8F4BF2A3DA9E}" type="datetimeFigureOut">
               <a:rPr lang="en-US" smtClean="0"/>
-              <a:t>15/11/2016</a:t>
+              <a:t>08/12/2016</a:t>
             </a:fld>
             <a:endParaRPr lang="en-US"/>
           </a:p>
@@ -2256,7 +2257,7 @@
           <a:p>
             <a:fld id="{A69DA47C-9C00-468B-A71A-8F4BF2A3DA9E}" type="datetimeFigureOut">
               <a:rPr lang="en-US" smtClean="0"/>
-              <a:t>15/11/2016</a:t>
+              <a:t>08/12/2016</a:t>
             </a:fld>
             <a:endParaRPr lang="en-US"/>
           </a:p>
@@ -2509,7 +2510,7 @@
           <a:p>
             <a:fld id="{A69DA47C-9C00-468B-A71A-8F4BF2A3DA9E}" type="datetimeFigureOut">
               <a:rPr lang="en-US" smtClean="0"/>
-              <a:t>15/11/2016</a:t>
+              <a:t>08/12/2016</a:t>
             </a:fld>
             <a:endParaRPr lang="en-US"/>
           </a:p>
@@ -2722,7 +2723,7 @@
           <a:p>
             <a:fld id="{A69DA47C-9C00-468B-A71A-8F4BF2A3DA9E}" type="datetimeFigureOut">
               <a:rPr lang="en-US" smtClean="0"/>
-              <a:t>15/11/2016</a:t>
+              <a:t>08/12/2016</a:t>
             </a:fld>
             <a:endParaRPr lang="en-US"/>
           </a:p>
@@ -4672,6 +4673,876 @@
     <p:extLst>
       <p:ext uri="{BB962C8B-B14F-4D97-AF65-F5344CB8AC3E}">
         <p14:creationId xmlns:p14="http://schemas.microsoft.com/office/powerpoint/2010/main" val="2396303609"/>
+      </p:ext>
+    </p:extLst>
+  </p:cSld>
+  <p:clrMapOvr>
+    <a:masterClrMapping/>
+  </p:clrMapOvr>
+</p:sld>
+</file>
+
+<file path=ppt/slides/slide4.xml><?xml version="1.0" encoding="utf-8"?>
+<p:sld xmlns:a="http://schemas.openxmlformats.org/drawingml/2006/main" xmlns:r="http://schemas.openxmlformats.org/officeDocument/2006/relationships" xmlns:p="http://schemas.openxmlformats.org/presentationml/2006/main">
+  <p:cSld>
+    <p:spTree>
+      <p:nvGrpSpPr>
+        <p:cNvPr id="1" name=""/>
+        <p:cNvGrpSpPr/>
+        <p:nvPr/>
+      </p:nvGrpSpPr>
+      <p:grpSpPr>
+        <a:xfrm>
+          <a:off x="0" y="0"/>
+          <a:ext cx="0" cy="0"/>
+          <a:chOff x="0" y="0"/>
+          <a:chExt cx="0" cy="0"/>
+        </a:xfrm>
+      </p:grpSpPr>
+      <p:cxnSp>
+        <p:nvCxnSpPr>
+          <p:cNvPr id="5" name="Straight Connector 4"/>
+          <p:cNvCxnSpPr/>
+          <p:nvPr/>
+        </p:nvCxnSpPr>
+        <p:spPr>
+          <a:xfrm flipV="1">
+            <a:off x="827584" y="1772815"/>
+            <a:ext cx="3744416" cy="1"/>
+          </a:xfrm>
+          <a:prstGeom prst="line">
+            <a:avLst/>
+          </a:prstGeom>
+          <a:ln w="15875"/>
+        </p:spPr>
+        <p:style>
+          <a:lnRef idx="1">
+            <a:schemeClr val="accent1"/>
+          </a:lnRef>
+          <a:fillRef idx="0">
+            <a:schemeClr val="accent1"/>
+          </a:fillRef>
+          <a:effectRef idx="0">
+            <a:schemeClr val="accent1"/>
+          </a:effectRef>
+          <a:fontRef idx="minor">
+            <a:schemeClr val="tx1"/>
+          </a:fontRef>
+        </p:style>
+      </p:cxnSp>
+      <p:cxnSp>
+        <p:nvCxnSpPr>
+          <p:cNvPr id="8" name="Straight Connector 7"/>
+          <p:cNvCxnSpPr/>
+          <p:nvPr/>
+        </p:nvCxnSpPr>
+        <p:spPr>
+          <a:xfrm>
+            <a:off x="827584" y="2060848"/>
+            <a:ext cx="3744416" cy="1"/>
+          </a:xfrm>
+          <a:prstGeom prst="line">
+            <a:avLst/>
+          </a:prstGeom>
+          <a:ln w="15875">
+            <a:solidFill>
+              <a:srgbClr val="00B0F0"/>
+            </a:solidFill>
+          </a:ln>
+        </p:spPr>
+        <p:style>
+          <a:lnRef idx="1">
+            <a:schemeClr val="accent1"/>
+          </a:lnRef>
+          <a:fillRef idx="0">
+            <a:schemeClr val="accent1"/>
+          </a:fillRef>
+          <a:effectRef idx="0">
+            <a:schemeClr val="accent1"/>
+          </a:effectRef>
+          <a:fontRef idx="minor">
+            <a:schemeClr val="tx1"/>
+          </a:fontRef>
+        </p:style>
+      </p:cxnSp>
+      <p:cxnSp>
+        <p:nvCxnSpPr>
+          <p:cNvPr id="9" name="Straight Connector 8"/>
+          <p:cNvCxnSpPr/>
+          <p:nvPr/>
+        </p:nvCxnSpPr>
+        <p:spPr>
+          <a:xfrm>
+            <a:off x="827584" y="2204864"/>
+            <a:ext cx="3744416" cy="8385"/>
+          </a:xfrm>
+          <a:prstGeom prst="line">
+            <a:avLst/>
+          </a:prstGeom>
+          <a:ln w="15875">
+            <a:solidFill>
+              <a:srgbClr val="00B0F0"/>
+            </a:solidFill>
+          </a:ln>
+        </p:spPr>
+        <p:style>
+          <a:lnRef idx="1">
+            <a:schemeClr val="accent1"/>
+          </a:lnRef>
+          <a:fillRef idx="0">
+            <a:schemeClr val="accent1"/>
+          </a:fillRef>
+          <a:effectRef idx="0">
+            <a:schemeClr val="accent1"/>
+          </a:effectRef>
+          <a:fontRef idx="minor">
+            <a:schemeClr val="tx1"/>
+          </a:fontRef>
+        </p:style>
+      </p:cxnSp>
+      <p:cxnSp>
+        <p:nvCxnSpPr>
+          <p:cNvPr id="10" name="Straight Connector 9"/>
+          <p:cNvCxnSpPr/>
+          <p:nvPr/>
+        </p:nvCxnSpPr>
+        <p:spPr>
+          <a:xfrm>
+            <a:off x="827584" y="2348880"/>
+            <a:ext cx="3744416" cy="0"/>
+          </a:xfrm>
+          <a:prstGeom prst="line">
+            <a:avLst/>
+          </a:prstGeom>
+          <a:ln w="15875">
+            <a:solidFill>
+              <a:srgbClr val="00B0F0"/>
+            </a:solidFill>
+          </a:ln>
+        </p:spPr>
+        <p:style>
+          <a:lnRef idx="1">
+            <a:schemeClr val="accent1"/>
+          </a:lnRef>
+          <a:fillRef idx="0">
+            <a:schemeClr val="accent1"/>
+          </a:fillRef>
+          <a:effectRef idx="0">
+            <a:schemeClr val="accent1"/>
+          </a:effectRef>
+          <a:fontRef idx="minor">
+            <a:schemeClr val="tx1"/>
+          </a:fontRef>
+        </p:style>
+      </p:cxnSp>
+      <p:cxnSp>
+        <p:nvCxnSpPr>
+          <p:cNvPr id="11" name="Straight Connector 10"/>
+          <p:cNvCxnSpPr/>
+          <p:nvPr/>
+        </p:nvCxnSpPr>
+        <p:spPr>
+          <a:xfrm>
+            <a:off x="827584" y="2492896"/>
+            <a:ext cx="3744416" cy="1"/>
+          </a:xfrm>
+          <a:prstGeom prst="line">
+            <a:avLst/>
+          </a:prstGeom>
+          <a:ln w="15875">
+            <a:solidFill>
+              <a:srgbClr val="00B0F0"/>
+            </a:solidFill>
+          </a:ln>
+        </p:spPr>
+        <p:style>
+          <a:lnRef idx="1">
+            <a:schemeClr val="accent1"/>
+          </a:lnRef>
+          <a:fillRef idx="0">
+            <a:schemeClr val="accent1"/>
+          </a:fillRef>
+          <a:effectRef idx="0">
+            <a:schemeClr val="accent1"/>
+          </a:effectRef>
+          <a:fontRef idx="minor">
+            <a:schemeClr val="tx1"/>
+          </a:fontRef>
+        </p:style>
+      </p:cxnSp>
+      <p:sp>
+        <p:nvSpPr>
+          <p:cNvPr id="12" name="TextBox 11"/>
+          <p:cNvSpPr txBox="1"/>
+          <p:nvPr/>
+        </p:nvSpPr>
+        <p:spPr>
+          <a:xfrm>
+            <a:off x="4606528" y="1632615"/>
+            <a:ext cx="266420" cy="276999"/>
+          </a:xfrm>
+          <a:prstGeom prst="rect">
+            <a:avLst/>
+          </a:prstGeom>
+          <a:noFill/>
+        </p:spPr>
+        <p:txBody>
+          <a:bodyPr wrap="none" rtlCol="0">
+            <a:spAutoFit/>
+          </a:bodyPr>
+          <a:lstStyle/>
+          <a:p>
+            <a:r>
+              <a:rPr lang="en-US" sz="1200" dirty="0" smtClean="0"/>
+              <a:t>C</a:t>
+            </a:r>
+            <a:endParaRPr lang="en-US" sz="1200" dirty="0"/>
+          </a:p>
+        </p:txBody>
+      </p:sp>
+      <p:grpSp>
+        <p:nvGrpSpPr>
+          <p:cNvPr id="40" name="Group 39"/>
+          <p:cNvGrpSpPr/>
+          <p:nvPr/>
+        </p:nvGrpSpPr>
+        <p:grpSpPr>
+          <a:xfrm>
+            <a:off x="1115616" y="1772815"/>
+            <a:ext cx="457200" cy="720081"/>
+            <a:chOff x="1115616" y="1772815"/>
+            <a:chExt cx="457200" cy="720081"/>
+          </a:xfrm>
+        </p:grpSpPr>
+        <p:cxnSp>
+          <p:nvCxnSpPr>
+            <p:cNvPr id="15" name="Straight Arrow Connector 14"/>
+            <p:cNvCxnSpPr/>
+            <p:nvPr/>
+          </p:nvCxnSpPr>
+          <p:spPr>
+            <a:xfrm>
+              <a:off x="1115616" y="1772815"/>
+              <a:ext cx="457200" cy="288033"/>
+            </a:xfrm>
+            <a:prstGeom prst="straightConnector1">
+              <a:avLst/>
+            </a:prstGeom>
+            <a:ln>
+              <a:solidFill>
+                <a:schemeClr val="accent6"/>
+              </a:solidFill>
+              <a:tailEnd type="arrow"/>
+            </a:ln>
+          </p:spPr>
+          <p:style>
+            <a:lnRef idx="1">
+              <a:schemeClr val="accent1"/>
+            </a:lnRef>
+            <a:fillRef idx="0">
+              <a:schemeClr val="accent1"/>
+            </a:fillRef>
+            <a:effectRef idx="0">
+              <a:schemeClr val="accent1"/>
+            </a:effectRef>
+            <a:fontRef idx="minor">
+              <a:schemeClr val="tx1"/>
+            </a:fontRef>
+          </p:style>
+        </p:cxnSp>
+        <p:cxnSp>
+          <p:nvCxnSpPr>
+            <p:cNvPr id="18" name="Straight Arrow Connector 17"/>
+            <p:cNvCxnSpPr/>
+            <p:nvPr/>
+          </p:nvCxnSpPr>
+          <p:spPr>
+            <a:xfrm>
+              <a:off x="1115616" y="1772816"/>
+              <a:ext cx="457200" cy="440432"/>
+            </a:xfrm>
+            <a:prstGeom prst="straightConnector1">
+              <a:avLst/>
+            </a:prstGeom>
+            <a:ln>
+              <a:solidFill>
+                <a:schemeClr val="accent6"/>
+              </a:solidFill>
+              <a:tailEnd type="arrow"/>
+            </a:ln>
+          </p:spPr>
+          <p:style>
+            <a:lnRef idx="1">
+              <a:schemeClr val="accent1"/>
+            </a:lnRef>
+            <a:fillRef idx="0">
+              <a:schemeClr val="accent1"/>
+            </a:fillRef>
+            <a:effectRef idx="0">
+              <a:schemeClr val="accent1"/>
+            </a:effectRef>
+            <a:fontRef idx="minor">
+              <a:schemeClr val="tx1"/>
+            </a:fontRef>
+          </p:style>
+        </p:cxnSp>
+        <p:cxnSp>
+          <p:nvCxnSpPr>
+            <p:cNvPr id="21" name="Straight Arrow Connector 20"/>
+            <p:cNvCxnSpPr/>
+            <p:nvPr/>
+          </p:nvCxnSpPr>
+          <p:spPr>
+            <a:xfrm>
+              <a:off x="1115616" y="1772816"/>
+              <a:ext cx="457200" cy="576064"/>
+            </a:xfrm>
+            <a:prstGeom prst="straightConnector1">
+              <a:avLst/>
+            </a:prstGeom>
+            <a:ln>
+              <a:solidFill>
+                <a:schemeClr val="accent6"/>
+              </a:solidFill>
+              <a:tailEnd type="arrow"/>
+            </a:ln>
+          </p:spPr>
+          <p:style>
+            <a:lnRef idx="1">
+              <a:schemeClr val="accent1"/>
+            </a:lnRef>
+            <a:fillRef idx="0">
+              <a:schemeClr val="accent1"/>
+            </a:fillRef>
+            <a:effectRef idx="0">
+              <a:schemeClr val="accent1"/>
+            </a:effectRef>
+            <a:fontRef idx="minor">
+              <a:schemeClr val="tx1"/>
+            </a:fontRef>
+          </p:style>
+        </p:cxnSp>
+        <p:cxnSp>
+          <p:nvCxnSpPr>
+            <p:cNvPr id="24" name="Straight Arrow Connector 23"/>
+            <p:cNvCxnSpPr/>
+            <p:nvPr/>
+          </p:nvCxnSpPr>
+          <p:spPr>
+            <a:xfrm>
+              <a:off x="1115616" y="1772816"/>
+              <a:ext cx="457200" cy="720080"/>
+            </a:xfrm>
+            <a:prstGeom prst="straightConnector1">
+              <a:avLst/>
+            </a:prstGeom>
+            <a:ln>
+              <a:solidFill>
+                <a:schemeClr val="accent6"/>
+              </a:solidFill>
+              <a:tailEnd type="arrow"/>
+            </a:ln>
+          </p:spPr>
+          <p:style>
+            <a:lnRef idx="1">
+              <a:schemeClr val="accent1"/>
+            </a:lnRef>
+            <a:fillRef idx="0">
+              <a:schemeClr val="accent1"/>
+            </a:fillRef>
+            <a:effectRef idx="0">
+              <a:schemeClr val="accent1"/>
+            </a:effectRef>
+            <a:fontRef idx="minor">
+              <a:schemeClr val="tx1"/>
+            </a:fontRef>
+          </p:style>
+        </p:cxnSp>
+      </p:grpSp>
+      <p:cxnSp>
+        <p:nvCxnSpPr>
+          <p:cNvPr id="28" name="Straight Arrow Connector 27"/>
+          <p:cNvCxnSpPr/>
+          <p:nvPr/>
+        </p:nvCxnSpPr>
+        <p:spPr>
+          <a:xfrm flipV="1">
+            <a:off x="1763688" y="1772815"/>
+            <a:ext cx="648072" cy="720081"/>
+          </a:xfrm>
+          <a:prstGeom prst="straightConnector1">
+            <a:avLst/>
+          </a:prstGeom>
+          <a:ln>
+            <a:solidFill>
+              <a:schemeClr val="accent3"/>
+            </a:solidFill>
+            <a:tailEnd type="arrow"/>
+          </a:ln>
+        </p:spPr>
+        <p:style>
+          <a:lnRef idx="1">
+            <a:schemeClr val="accent1"/>
+          </a:lnRef>
+          <a:fillRef idx="0">
+            <a:schemeClr val="accent1"/>
+          </a:fillRef>
+          <a:effectRef idx="0">
+            <a:schemeClr val="accent1"/>
+          </a:effectRef>
+          <a:fontRef idx="minor">
+            <a:schemeClr val="tx1"/>
+          </a:fontRef>
+        </p:style>
+      </p:cxnSp>
+      <p:cxnSp>
+        <p:nvCxnSpPr>
+          <p:cNvPr id="30" name="Straight Arrow Connector 29"/>
+          <p:cNvCxnSpPr/>
+          <p:nvPr/>
+        </p:nvCxnSpPr>
+        <p:spPr>
+          <a:xfrm flipV="1">
+            <a:off x="2051720" y="1772817"/>
+            <a:ext cx="512440" cy="576064"/>
+          </a:xfrm>
+          <a:prstGeom prst="straightConnector1">
+            <a:avLst/>
+          </a:prstGeom>
+          <a:ln>
+            <a:solidFill>
+              <a:schemeClr val="accent3"/>
+            </a:solidFill>
+            <a:tailEnd type="arrow"/>
+          </a:ln>
+        </p:spPr>
+        <p:style>
+          <a:lnRef idx="1">
+            <a:schemeClr val="accent1"/>
+          </a:lnRef>
+          <a:fillRef idx="0">
+            <a:schemeClr val="accent1"/>
+          </a:fillRef>
+          <a:effectRef idx="0">
+            <a:schemeClr val="accent1"/>
+          </a:effectRef>
+          <a:fontRef idx="minor">
+            <a:schemeClr val="tx1"/>
+          </a:fontRef>
+        </p:style>
+      </p:cxnSp>
+      <p:cxnSp>
+        <p:nvCxnSpPr>
+          <p:cNvPr id="33" name="Straight Arrow Connector 32"/>
+          <p:cNvCxnSpPr/>
+          <p:nvPr/>
+        </p:nvCxnSpPr>
+        <p:spPr>
+          <a:xfrm flipV="1">
+            <a:off x="2307940" y="1772817"/>
+            <a:ext cx="396044" cy="440432"/>
+          </a:xfrm>
+          <a:prstGeom prst="straightConnector1">
+            <a:avLst/>
+          </a:prstGeom>
+          <a:ln>
+            <a:solidFill>
+              <a:schemeClr val="accent3"/>
+            </a:solidFill>
+            <a:tailEnd type="arrow"/>
+          </a:ln>
+        </p:spPr>
+        <p:style>
+          <a:lnRef idx="1">
+            <a:schemeClr val="accent1"/>
+          </a:lnRef>
+          <a:fillRef idx="0">
+            <a:schemeClr val="accent1"/>
+          </a:fillRef>
+          <a:effectRef idx="0">
+            <a:schemeClr val="accent1"/>
+          </a:effectRef>
+          <a:fontRef idx="minor">
+            <a:schemeClr val="tx1"/>
+          </a:fontRef>
+        </p:style>
+      </p:cxnSp>
+      <p:cxnSp>
+        <p:nvCxnSpPr>
+          <p:cNvPr id="36" name="Straight Arrow Connector 35"/>
+          <p:cNvCxnSpPr/>
+          <p:nvPr/>
+        </p:nvCxnSpPr>
+        <p:spPr>
+          <a:xfrm flipV="1">
+            <a:off x="2564160" y="1772816"/>
+            <a:ext cx="279648" cy="288032"/>
+          </a:xfrm>
+          <a:prstGeom prst="straightConnector1">
+            <a:avLst/>
+          </a:prstGeom>
+          <a:ln>
+            <a:solidFill>
+              <a:schemeClr val="accent3"/>
+            </a:solidFill>
+            <a:tailEnd type="arrow"/>
+          </a:ln>
+        </p:spPr>
+        <p:style>
+          <a:lnRef idx="1">
+            <a:schemeClr val="accent1"/>
+          </a:lnRef>
+          <a:fillRef idx="0">
+            <a:schemeClr val="accent1"/>
+          </a:fillRef>
+          <a:effectRef idx="0">
+            <a:schemeClr val="accent1"/>
+          </a:effectRef>
+          <a:fontRef idx="minor">
+            <a:schemeClr val="tx1"/>
+          </a:fontRef>
+        </p:style>
+      </p:cxnSp>
+      <p:grpSp>
+        <p:nvGrpSpPr>
+          <p:cNvPr id="41" name="Group 40"/>
+          <p:cNvGrpSpPr/>
+          <p:nvPr/>
+        </p:nvGrpSpPr>
+        <p:grpSpPr>
+          <a:xfrm>
+            <a:off x="3269506" y="1772816"/>
+            <a:ext cx="457200" cy="720081"/>
+            <a:chOff x="1115616" y="1772815"/>
+            <a:chExt cx="457200" cy="720081"/>
+          </a:xfrm>
+        </p:grpSpPr>
+        <p:cxnSp>
+          <p:nvCxnSpPr>
+            <p:cNvPr id="42" name="Straight Arrow Connector 41"/>
+            <p:cNvCxnSpPr/>
+            <p:nvPr/>
+          </p:nvCxnSpPr>
+          <p:spPr>
+            <a:xfrm>
+              <a:off x="1115616" y="1772815"/>
+              <a:ext cx="457200" cy="288033"/>
+            </a:xfrm>
+            <a:prstGeom prst="straightConnector1">
+              <a:avLst/>
+            </a:prstGeom>
+            <a:ln>
+              <a:tailEnd type="arrow"/>
+            </a:ln>
+          </p:spPr>
+          <p:style>
+            <a:lnRef idx="1">
+              <a:schemeClr val="accent1"/>
+            </a:lnRef>
+            <a:fillRef idx="0">
+              <a:schemeClr val="accent1"/>
+            </a:fillRef>
+            <a:effectRef idx="0">
+              <a:schemeClr val="accent1"/>
+            </a:effectRef>
+            <a:fontRef idx="minor">
+              <a:schemeClr val="tx1"/>
+            </a:fontRef>
+          </p:style>
+        </p:cxnSp>
+        <p:cxnSp>
+          <p:nvCxnSpPr>
+            <p:cNvPr id="43" name="Straight Arrow Connector 42"/>
+            <p:cNvCxnSpPr/>
+            <p:nvPr/>
+          </p:nvCxnSpPr>
+          <p:spPr>
+            <a:xfrm>
+              <a:off x="1115616" y="1772816"/>
+              <a:ext cx="457200" cy="440432"/>
+            </a:xfrm>
+            <a:prstGeom prst="straightConnector1">
+              <a:avLst/>
+            </a:prstGeom>
+            <a:ln>
+              <a:tailEnd type="arrow"/>
+            </a:ln>
+          </p:spPr>
+          <p:style>
+            <a:lnRef idx="1">
+              <a:schemeClr val="accent1"/>
+            </a:lnRef>
+            <a:fillRef idx="0">
+              <a:schemeClr val="accent1"/>
+            </a:fillRef>
+            <a:effectRef idx="0">
+              <a:schemeClr val="accent1"/>
+            </a:effectRef>
+            <a:fontRef idx="minor">
+              <a:schemeClr val="tx1"/>
+            </a:fontRef>
+          </p:style>
+        </p:cxnSp>
+        <p:cxnSp>
+          <p:nvCxnSpPr>
+            <p:cNvPr id="44" name="Straight Arrow Connector 43"/>
+            <p:cNvCxnSpPr/>
+            <p:nvPr/>
+          </p:nvCxnSpPr>
+          <p:spPr>
+            <a:xfrm>
+              <a:off x="1115616" y="1772816"/>
+              <a:ext cx="457200" cy="576064"/>
+            </a:xfrm>
+            <a:prstGeom prst="straightConnector1">
+              <a:avLst/>
+            </a:prstGeom>
+            <a:ln>
+              <a:tailEnd type="arrow"/>
+            </a:ln>
+          </p:spPr>
+          <p:style>
+            <a:lnRef idx="1">
+              <a:schemeClr val="accent1"/>
+            </a:lnRef>
+            <a:fillRef idx="0">
+              <a:schemeClr val="accent1"/>
+            </a:fillRef>
+            <a:effectRef idx="0">
+              <a:schemeClr val="accent1"/>
+            </a:effectRef>
+            <a:fontRef idx="minor">
+              <a:schemeClr val="tx1"/>
+            </a:fontRef>
+          </p:style>
+        </p:cxnSp>
+        <p:cxnSp>
+          <p:nvCxnSpPr>
+            <p:cNvPr id="45" name="Straight Arrow Connector 44"/>
+            <p:cNvCxnSpPr/>
+            <p:nvPr/>
+          </p:nvCxnSpPr>
+          <p:spPr>
+            <a:xfrm>
+              <a:off x="1115616" y="1772816"/>
+              <a:ext cx="457200" cy="720080"/>
+            </a:xfrm>
+            <a:prstGeom prst="straightConnector1">
+              <a:avLst/>
+            </a:prstGeom>
+            <a:ln>
+              <a:tailEnd type="arrow"/>
+            </a:ln>
+          </p:spPr>
+          <p:style>
+            <a:lnRef idx="1">
+              <a:schemeClr val="accent1"/>
+            </a:lnRef>
+            <a:fillRef idx="0">
+              <a:schemeClr val="accent1"/>
+            </a:fillRef>
+            <a:effectRef idx="0">
+              <a:schemeClr val="accent1"/>
+            </a:effectRef>
+            <a:fontRef idx="minor">
+              <a:schemeClr val="tx1"/>
+            </a:fontRef>
+          </p:style>
+        </p:cxnSp>
+      </p:grpSp>
+      <p:cxnSp>
+        <p:nvCxnSpPr>
+          <p:cNvPr id="47" name="Straight Connector 46"/>
+          <p:cNvCxnSpPr/>
+          <p:nvPr/>
+        </p:nvCxnSpPr>
+        <p:spPr>
+          <a:xfrm>
+            <a:off x="1691680" y="1526269"/>
+            <a:ext cx="0" cy="1224136"/>
+          </a:xfrm>
+          <a:prstGeom prst="line">
+            <a:avLst/>
+          </a:prstGeom>
+          <a:ln>
+            <a:prstDash val="dash"/>
+          </a:ln>
+        </p:spPr>
+        <p:style>
+          <a:lnRef idx="1">
+            <a:schemeClr val="accent1"/>
+          </a:lnRef>
+          <a:fillRef idx="0">
+            <a:schemeClr val="accent1"/>
+          </a:fillRef>
+          <a:effectRef idx="0">
+            <a:schemeClr val="accent1"/>
+          </a:effectRef>
+          <a:fontRef idx="minor">
+            <a:schemeClr val="tx1"/>
+          </a:fontRef>
+        </p:style>
+      </p:cxnSp>
+      <p:cxnSp>
+        <p:nvCxnSpPr>
+          <p:cNvPr id="49" name="Straight Connector 48"/>
+          <p:cNvCxnSpPr/>
+          <p:nvPr/>
+        </p:nvCxnSpPr>
+        <p:spPr>
+          <a:xfrm>
+            <a:off x="3059832" y="1526269"/>
+            <a:ext cx="0" cy="1224136"/>
+          </a:xfrm>
+          <a:prstGeom prst="line">
+            <a:avLst/>
+          </a:prstGeom>
+          <a:ln>
+            <a:prstDash val="dash"/>
+          </a:ln>
+        </p:spPr>
+        <p:style>
+          <a:lnRef idx="1">
+            <a:schemeClr val="accent1"/>
+          </a:lnRef>
+          <a:fillRef idx="0">
+            <a:schemeClr val="accent1"/>
+          </a:fillRef>
+          <a:effectRef idx="0">
+            <a:schemeClr val="accent1"/>
+          </a:effectRef>
+          <a:fontRef idx="minor">
+            <a:schemeClr val="tx1"/>
+          </a:fontRef>
+        </p:style>
+      </p:cxnSp>
+      <p:cxnSp>
+        <p:nvCxnSpPr>
+          <p:cNvPr id="50" name="Straight Connector 49"/>
+          <p:cNvCxnSpPr/>
+          <p:nvPr/>
+        </p:nvCxnSpPr>
+        <p:spPr>
+          <a:xfrm>
+            <a:off x="4067944" y="1526269"/>
+            <a:ext cx="0" cy="1224136"/>
+          </a:xfrm>
+          <a:prstGeom prst="line">
+            <a:avLst/>
+          </a:prstGeom>
+          <a:ln>
+            <a:prstDash val="dash"/>
+          </a:ln>
+        </p:spPr>
+        <p:style>
+          <a:lnRef idx="1">
+            <a:schemeClr val="accent1"/>
+          </a:lnRef>
+          <a:fillRef idx="0">
+            <a:schemeClr val="accent1"/>
+          </a:fillRef>
+          <a:effectRef idx="0">
+            <a:schemeClr val="accent1"/>
+          </a:effectRef>
+          <a:fontRef idx="minor">
+            <a:schemeClr val="tx1"/>
+          </a:fontRef>
+        </p:style>
+      </p:cxnSp>
+      <p:sp>
+        <p:nvSpPr>
+          <p:cNvPr id="56" name="TextBox 55"/>
+          <p:cNvSpPr txBox="1"/>
+          <p:nvPr/>
+        </p:nvSpPr>
+        <p:spPr>
+          <a:xfrm>
+            <a:off x="1172580" y="1366817"/>
+            <a:ext cx="301686" cy="369332"/>
+          </a:xfrm>
+          <a:prstGeom prst="rect">
+            <a:avLst/>
+          </a:prstGeom>
+          <a:noFill/>
+        </p:spPr>
+        <p:txBody>
+          <a:bodyPr wrap="none" rtlCol="0">
+            <a:spAutoFit/>
+          </a:bodyPr>
+          <a:lstStyle/>
+          <a:p>
+            <a:r>
+              <a:rPr lang="en-US" dirty="0" smtClean="0"/>
+              <a:t>1</a:t>
+            </a:r>
+            <a:endParaRPr lang="en-US" dirty="0"/>
+          </a:p>
+        </p:txBody>
+      </p:sp>
+      <p:sp>
+        <p:nvSpPr>
+          <p:cNvPr id="57" name="TextBox 56"/>
+          <p:cNvSpPr txBox="1"/>
+          <p:nvPr/>
+        </p:nvSpPr>
+        <p:spPr>
+          <a:xfrm>
+            <a:off x="2240124" y="1366817"/>
+            <a:ext cx="301686" cy="369332"/>
+          </a:xfrm>
+          <a:prstGeom prst="rect">
+            <a:avLst/>
+          </a:prstGeom>
+          <a:noFill/>
+        </p:spPr>
+        <p:txBody>
+          <a:bodyPr wrap="none" rtlCol="0">
+            <a:spAutoFit/>
+          </a:bodyPr>
+          <a:lstStyle/>
+          <a:p>
+            <a:r>
+              <a:rPr lang="en-US" dirty="0" smtClean="0"/>
+              <a:t>2</a:t>
+            </a:r>
+            <a:endParaRPr lang="en-US" dirty="0"/>
+          </a:p>
+        </p:txBody>
+      </p:sp>
+      <p:sp>
+        <p:nvSpPr>
+          <p:cNvPr id="58" name="TextBox 57"/>
+          <p:cNvSpPr txBox="1"/>
+          <p:nvPr/>
+        </p:nvSpPr>
+        <p:spPr>
+          <a:xfrm>
+            <a:off x="3439530" y="1366817"/>
+            <a:ext cx="301686" cy="369332"/>
+          </a:xfrm>
+          <a:prstGeom prst="rect">
+            <a:avLst/>
+          </a:prstGeom>
+          <a:noFill/>
+        </p:spPr>
+        <p:txBody>
+          <a:bodyPr wrap="none" rtlCol="0">
+            <a:spAutoFit/>
+          </a:bodyPr>
+          <a:lstStyle/>
+          <a:p>
+            <a:r>
+              <a:rPr lang="en-US" dirty="0" smtClean="0"/>
+              <a:t>3</a:t>
+            </a:r>
+            <a:endParaRPr lang="en-US" dirty="0"/>
+          </a:p>
+        </p:txBody>
+      </p:sp>
+    </p:spTree>
+    <p:extLst>
+      <p:ext uri="{BB962C8B-B14F-4D97-AF65-F5344CB8AC3E}">
+        <p14:creationId xmlns:p14="http://schemas.microsoft.com/office/powerpoint/2010/main" val="2948406990"/>
       </p:ext>
     </p:extLst>
   </p:cSld>

--- a/coordination/images/source.pptx
+++ b/coordination/images/source.pptx
@@ -5352,20 +5352,20 @@
       </p:grpSp>
       <p:cxnSp>
         <p:nvCxnSpPr>
-          <p:cNvPr id="47" name="Straight Connector 46"/>
+          <p:cNvPr id="49" name="Straight Connector 48"/>
           <p:cNvCxnSpPr/>
           <p:nvPr/>
         </p:nvCxnSpPr>
         <p:spPr>
           <a:xfrm>
-            <a:off x="1691680" y="1526269"/>
-            <a:ext cx="0" cy="1224136"/>
+            <a:off x="3059832" y="1366817"/>
+            <a:ext cx="0" cy="1383588"/>
           </a:xfrm>
           <a:prstGeom prst="line">
             <a:avLst/>
           </a:prstGeom>
-          <a:ln>
-            <a:prstDash val="dash"/>
+          <a:ln w="9525">
+            <a:prstDash val="lgDashDotDot"/>
           </a:ln>
         </p:spPr>
         <p:style>
@@ -5383,81 +5383,15 @@
           </a:fontRef>
         </p:style>
       </p:cxnSp>
-      <p:cxnSp>
-        <p:nvCxnSpPr>
-          <p:cNvPr id="49" name="Straight Connector 48"/>
-          <p:cNvCxnSpPr/>
-          <p:nvPr/>
-        </p:nvCxnSpPr>
-        <p:spPr>
-          <a:xfrm>
-            <a:off x="3059832" y="1526269"/>
-            <a:ext cx="0" cy="1224136"/>
-          </a:xfrm>
-          <a:prstGeom prst="line">
-            <a:avLst/>
-          </a:prstGeom>
-          <a:ln>
-            <a:prstDash val="dash"/>
-          </a:ln>
-        </p:spPr>
-        <p:style>
-          <a:lnRef idx="1">
-            <a:schemeClr val="accent1"/>
-          </a:lnRef>
-          <a:fillRef idx="0">
-            <a:schemeClr val="accent1"/>
-          </a:fillRef>
-          <a:effectRef idx="0">
-            <a:schemeClr val="accent1"/>
-          </a:effectRef>
-          <a:fontRef idx="minor">
-            <a:schemeClr val="tx1"/>
-          </a:fontRef>
-        </p:style>
-      </p:cxnSp>
-      <p:cxnSp>
-        <p:nvCxnSpPr>
-          <p:cNvPr id="50" name="Straight Connector 49"/>
-          <p:cNvCxnSpPr/>
-          <p:nvPr/>
-        </p:nvCxnSpPr>
-        <p:spPr>
-          <a:xfrm>
-            <a:off x="4067944" y="1526269"/>
-            <a:ext cx="0" cy="1224136"/>
-          </a:xfrm>
-          <a:prstGeom prst="line">
-            <a:avLst/>
-          </a:prstGeom>
-          <a:ln>
-            <a:prstDash val="dash"/>
-          </a:ln>
-        </p:spPr>
-        <p:style>
-          <a:lnRef idx="1">
-            <a:schemeClr val="accent1"/>
-          </a:lnRef>
-          <a:fillRef idx="0">
-            <a:schemeClr val="accent1"/>
-          </a:fillRef>
-          <a:effectRef idx="0">
-            <a:schemeClr val="accent1"/>
-          </a:effectRef>
-          <a:fontRef idx="minor">
-            <a:schemeClr val="tx1"/>
-          </a:fontRef>
-        </p:style>
-      </p:cxnSp>
-      <p:sp>
-        <p:nvSpPr>
-          <p:cNvPr id="56" name="TextBox 55"/>
+      <p:sp>
+        <p:nvSpPr>
+          <p:cNvPr id="29" name="TextBox 28"/>
           <p:cNvSpPr txBox="1"/>
           <p:nvPr/>
         </p:nvSpPr>
         <p:spPr>
           <a:xfrm>
-            <a:off x="1172580" y="1366817"/>
+            <a:off x="1691680" y="1366817"/>
             <a:ext cx="301686" cy="369332"/>
           </a:xfrm>
           <a:prstGeom prst="rect">
@@ -5481,13 +5415,13 @@
       </p:sp>
       <p:sp>
         <p:nvSpPr>
-          <p:cNvPr id="57" name="TextBox 56"/>
+          <p:cNvPr id="31" name="TextBox 30"/>
           <p:cNvSpPr txBox="1"/>
           <p:nvPr/>
         </p:nvSpPr>
         <p:spPr>
           <a:xfrm>
-            <a:off x="2240124" y="1366817"/>
+            <a:off x="3498106" y="1366817"/>
             <a:ext cx="301686" cy="369332"/>
           </a:xfrm>
           <a:prstGeom prst="rect">
@@ -5504,36 +5438,6 @@
             <a:r>
               <a:rPr lang="en-US" dirty="0" smtClean="0"/>
               <a:t>2</a:t>
-            </a:r>
-            <a:endParaRPr lang="en-US" dirty="0"/>
-          </a:p>
-        </p:txBody>
-      </p:sp>
-      <p:sp>
-        <p:nvSpPr>
-          <p:cNvPr id="58" name="TextBox 57"/>
-          <p:cNvSpPr txBox="1"/>
-          <p:nvPr/>
-        </p:nvSpPr>
-        <p:spPr>
-          <a:xfrm>
-            <a:off x="3439530" y="1366817"/>
-            <a:ext cx="301686" cy="369332"/>
-          </a:xfrm>
-          <a:prstGeom prst="rect">
-            <a:avLst/>
-          </a:prstGeom>
-          <a:noFill/>
-        </p:spPr>
-        <p:txBody>
-          <a:bodyPr wrap="none" rtlCol="0">
-            <a:spAutoFit/>
-          </a:bodyPr>
-          <a:lstStyle/>
-          <a:p>
-            <a:r>
-              <a:rPr lang="en-US" dirty="0" smtClean="0"/>
-              <a:t>3</a:t>
             </a:r>
             <a:endParaRPr lang="en-US" dirty="0"/>
           </a:p>

--- a/coordination/images/source.pptx
+++ b/coordination/images/source.pptx
@@ -9,6 +9,8 @@
     <p:sldId id="257" r:id="rId3"/>
     <p:sldId id="258" r:id="rId4"/>
     <p:sldId id="259" r:id="rId5"/>
+    <p:sldId id="260" r:id="rId6"/>
+    <p:sldId id="261" r:id="rId7"/>
   </p:sldIdLst>
   <p:sldSz cx="9144000" cy="6858000" type="screen4x3"/>
   <p:notesSz cx="6858000" cy="9144000"/>
@@ -5447,6 +5449,4396 @@
     <p:extLst>
       <p:ext uri="{BB962C8B-B14F-4D97-AF65-F5344CB8AC3E}">
         <p14:creationId xmlns:p14="http://schemas.microsoft.com/office/powerpoint/2010/main" val="2948406990"/>
+      </p:ext>
+    </p:extLst>
+  </p:cSld>
+  <p:clrMapOvr>
+    <a:masterClrMapping/>
+  </p:clrMapOvr>
+</p:sld>
+</file>
+
+<file path=ppt/slides/slide5.xml><?xml version="1.0" encoding="utf-8"?>
+<p:sld xmlns:a="http://schemas.openxmlformats.org/drawingml/2006/main" xmlns:r="http://schemas.openxmlformats.org/officeDocument/2006/relationships" xmlns:p="http://schemas.openxmlformats.org/presentationml/2006/main">
+  <p:cSld>
+    <p:spTree>
+      <p:nvGrpSpPr>
+        <p:cNvPr id="1" name=""/>
+        <p:cNvGrpSpPr/>
+        <p:nvPr/>
+      </p:nvGrpSpPr>
+      <p:grpSpPr>
+        <a:xfrm>
+          <a:off x="0" y="0"/>
+          <a:ext cx="0" cy="0"/>
+          <a:chOff x="0" y="0"/>
+          <a:chExt cx="0" cy="0"/>
+        </a:xfrm>
+      </p:grpSpPr>
+      <p:grpSp>
+        <p:nvGrpSpPr>
+          <p:cNvPr id="35" name="Group 34"/>
+          <p:cNvGrpSpPr/>
+          <p:nvPr/>
+        </p:nvGrpSpPr>
+        <p:grpSpPr>
+          <a:xfrm>
+            <a:off x="1214371" y="1320742"/>
+            <a:ext cx="936104" cy="1213103"/>
+            <a:chOff x="1214371" y="1320742"/>
+            <a:chExt cx="936104" cy="1213103"/>
+          </a:xfrm>
+        </p:grpSpPr>
+        <p:sp>
+          <p:nvSpPr>
+            <p:cNvPr id="4" name="Oval 3"/>
+            <p:cNvSpPr/>
+            <p:nvPr/>
+          </p:nvSpPr>
+          <p:spPr>
+            <a:xfrm>
+              <a:off x="1331640" y="1956203"/>
+              <a:ext cx="144016" cy="144016"/>
+            </a:xfrm>
+            <a:prstGeom prst="ellipse">
+              <a:avLst/>
+            </a:prstGeom>
+            <a:noFill/>
+            <a:ln>
+              <a:solidFill>
+                <a:schemeClr val="tx1"/>
+              </a:solidFill>
+            </a:ln>
+          </p:spPr>
+          <p:style>
+            <a:lnRef idx="2">
+              <a:schemeClr val="accent1">
+                <a:shade val="50000"/>
+              </a:schemeClr>
+            </a:lnRef>
+            <a:fillRef idx="1">
+              <a:schemeClr val="accent1"/>
+            </a:fillRef>
+            <a:effectRef idx="0">
+              <a:schemeClr val="accent1"/>
+            </a:effectRef>
+            <a:fontRef idx="minor">
+              <a:schemeClr val="lt1"/>
+            </a:fontRef>
+          </p:style>
+          <p:txBody>
+            <a:bodyPr rtlCol="0" anchor="ctr"/>
+            <a:lstStyle/>
+            <a:p>
+              <a:pPr algn="ctr"/>
+              <a:endParaRPr lang="en-US"/>
+            </a:p>
+          </p:txBody>
+        </p:sp>
+        <p:sp>
+          <p:nvSpPr>
+            <p:cNvPr id="5" name="Oval 4"/>
+            <p:cNvSpPr/>
+            <p:nvPr/>
+          </p:nvSpPr>
+          <p:spPr>
+            <a:xfrm>
+              <a:off x="1754431" y="1809573"/>
+              <a:ext cx="144016" cy="144016"/>
+            </a:xfrm>
+            <a:prstGeom prst="ellipse">
+              <a:avLst/>
+            </a:prstGeom>
+            <a:noFill/>
+            <a:ln>
+              <a:solidFill>
+                <a:schemeClr val="tx1"/>
+              </a:solidFill>
+            </a:ln>
+          </p:spPr>
+          <p:style>
+            <a:lnRef idx="2">
+              <a:schemeClr val="accent1">
+                <a:shade val="50000"/>
+              </a:schemeClr>
+            </a:lnRef>
+            <a:fillRef idx="1">
+              <a:schemeClr val="accent1"/>
+            </a:fillRef>
+            <a:effectRef idx="0">
+              <a:schemeClr val="accent1"/>
+            </a:effectRef>
+            <a:fontRef idx="minor">
+              <a:schemeClr val="lt1"/>
+            </a:fontRef>
+          </p:style>
+          <p:txBody>
+            <a:bodyPr rtlCol="0" anchor="ctr"/>
+            <a:lstStyle/>
+            <a:p>
+              <a:pPr algn="ctr"/>
+              <a:endParaRPr lang="en-US"/>
+            </a:p>
+          </p:txBody>
+        </p:sp>
+        <p:sp>
+          <p:nvSpPr>
+            <p:cNvPr id="6" name="Oval 5"/>
+            <p:cNvSpPr/>
+            <p:nvPr/>
+          </p:nvSpPr>
+          <p:spPr>
+            <a:xfrm>
+              <a:off x="1610415" y="2177997"/>
+              <a:ext cx="144016" cy="144016"/>
+            </a:xfrm>
+            <a:prstGeom prst="ellipse">
+              <a:avLst/>
+            </a:prstGeom>
+            <a:noFill/>
+            <a:ln>
+              <a:solidFill>
+                <a:schemeClr val="tx1"/>
+              </a:solidFill>
+            </a:ln>
+          </p:spPr>
+          <p:style>
+            <a:lnRef idx="2">
+              <a:schemeClr val="accent1">
+                <a:shade val="50000"/>
+              </a:schemeClr>
+            </a:lnRef>
+            <a:fillRef idx="1">
+              <a:schemeClr val="accent1"/>
+            </a:fillRef>
+            <a:effectRef idx="0">
+              <a:schemeClr val="accent1"/>
+            </a:effectRef>
+            <a:fontRef idx="minor">
+              <a:schemeClr val="lt1"/>
+            </a:fontRef>
+          </p:style>
+          <p:txBody>
+            <a:bodyPr rtlCol="0" anchor="ctr"/>
+            <a:lstStyle/>
+            <a:p>
+              <a:pPr algn="ctr"/>
+              <a:endParaRPr lang="en-US"/>
+            </a:p>
+          </p:txBody>
+        </p:sp>
+        <p:cxnSp>
+          <p:nvCxnSpPr>
+            <p:cNvPr id="11" name="Curved Connector 10"/>
+            <p:cNvCxnSpPr>
+              <a:stCxn id="4" idx="6"/>
+              <a:endCxn id="5" idx="2"/>
+            </p:cNvCxnSpPr>
+            <p:nvPr/>
+          </p:nvCxnSpPr>
+          <p:spPr>
+            <a:xfrm flipV="1">
+              <a:off x="1475656" y="1881581"/>
+              <a:ext cx="278775" cy="146630"/>
+            </a:xfrm>
+            <a:prstGeom prst="curvedConnector3">
+              <a:avLst>
+                <a:gd name="adj1" fmla="val 50000"/>
+              </a:avLst>
+            </a:prstGeom>
+            <a:ln>
+              <a:tailEnd type="arrow"/>
+            </a:ln>
+          </p:spPr>
+          <p:style>
+            <a:lnRef idx="1">
+              <a:schemeClr val="accent1"/>
+            </a:lnRef>
+            <a:fillRef idx="0">
+              <a:schemeClr val="accent1"/>
+            </a:fillRef>
+            <a:effectRef idx="0">
+              <a:schemeClr val="accent1"/>
+            </a:effectRef>
+            <a:fontRef idx="minor">
+              <a:schemeClr val="tx1"/>
+            </a:fontRef>
+          </p:style>
+        </p:cxnSp>
+        <p:cxnSp>
+          <p:nvCxnSpPr>
+            <p:cNvPr id="14" name="Curved Connector 13"/>
+            <p:cNvCxnSpPr>
+              <a:stCxn id="5" idx="6"/>
+              <a:endCxn id="6" idx="6"/>
+            </p:cNvCxnSpPr>
+            <p:nvPr/>
+          </p:nvCxnSpPr>
+          <p:spPr>
+            <a:xfrm flipH="1">
+              <a:off x="1754431" y="1881581"/>
+              <a:ext cx="144016" cy="368424"/>
+            </a:xfrm>
+            <a:prstGeom prst="curvedConnector3">
+              <a:avLst>
+                <a:gd name="adj1" fmla="val -63789"/>
+              </a:avLst>
+            </a:prstGeom>
+            <a:ln>
+              <a:tailEnd type="arrow"/>
+            </a:ln>
+          </p:spPr>
+          <p:style>
+            <a:lnRef idx="1">
+              <a:schemeClr val="accent1"/>
+            </a:lnRef>
+            <a:fillRef idx="0">
+              <a:schemeClr val="accent1"/>
+            </a:fillRef>
+            <a:effectRef idx="0">
+              <a:schemeClr val="accent1"/>
+            </a:effectRef>
+            <a:fontRef idx="minor">
+              <a:schemeClr val="tx1"/>
+            </a:fontRef>
+          </p:style>
+        </p:cxnSp>
+        <p:cxnSp>
+          <p:nvCxnSpPr>
+            <p:cNvPr id="24" name="Curved Connector 23"/>
+            <p:cNvCxnSpPr>
+              <a:stCxn id="4" idx="4"/>
+              <a:endCxn id="6" idx="2"/>
+            </p:cNvCxnSpPr>
+            <p:nvPr/>
+          </p:nvCxnSpPr>
+          <p:spPr>
+            <a:xfrm rot="16200000" flipH="1">
+              <a:off x="1432138" y="2071728"/>
+              <a:ext cx="149786" cy="206767"/>
+            </a:xfrm>
+            <a:prstGeom prst="curvedConnector2">
+              <a:avLst/>
+            </a:prstGeom>
+            <a:ln>
+              <a:tailEnd type="arrow"/>
+            </a:ln>
+          </p:spPr>
+          <p:style>
+            <a:lnRef idx="1">
+              <a:schemeClr val="accent1"/>
+            </a:lnRef>
+            <a:fillRef idx="0">
+              <a:schemeClr val="accent1"/>
+            </a:fillRef>
+            <a:effectRef idx="0">
+              <a:schemeClr val="accent1"/>
+            </a:effectRef>
+            <a:fontRef idx="minor">
+              <a:schemeClr val="tx1"/>
+            </a:fontRef>
+          </p:style>
+        </p:cxnSp>
+        <p:sp>
+          <p:nvSpPr>
+            <p:cNvPr id="33" name="Rectangle 32"/>
+            <p:cNvSpPr/>
+            <p:nvPr/>
+          </p:nvSpPr>
+          <p:spPr>
+            <a:xfrm>
+              <a:off x="1214371" y="1597741"/>
+              <a:ext cx="936104" cy="936104"/>
+            </a:xfrm>
+            <a:prstGeom prst="rect">
+              <a:avLst/>
+            </a:prstGeom>
+            <a:noFill/>
+          </p:spPr>
+          <p:style>
+            <a:lnRef idx="2">
+              <a:schemeClr val="accent1">
+                <a:shade val="50000"/>
+              </a:schemeClr>
+            </a:lnRef>
+            <a:fillRef idx="1">
+              <a:schemeClr val="accent1"/>
+            </a:fillRef>
+            <a:effectRef idx="0">
+              <a:schemeClr val="accent1"/>
+            </a:effectRef>
+            <a:fontRef idx="minor">
+              <a:schemeClr val="lt1"/>
+            </a:fontRef>
+          </p:style>
+          <p:txBody>
+            <a:bodyPr rtlCol="0" anchor="ctr"/>
+            <a:lstStyle/>
+            <a:p>
+              <a:pPr algn="ctr"/>
+              <a:endParaRPr lang="en-US"/>
+            </a:p>
+          </p:txBody>
+        </p:sp>
+        <p:sp>
+          <p:nvSpPr>
+            <p:cNvPr id="34" name="TextBox 33"/>
+            <p:cNvSpPr txBox="1"/>
+            <p:nvPr/>
+          </p:nvSpPr>
+          <p:spPr>
+            <a:xfrm>
+              <a:off x="1292058" y="1320742"/>
+              <a:ext cx="636713" cy="276999"/>
+            </a:xfrm>
+            <a:prstGeom prst="rect">
+              <a:avLst/>
+            </a:prstGeom>
+            <a:noFill/>
+          </p:spPr>
+          <p:txBody>
+            <a:bodyPr wrap="none" rtlCol="0">
+              <a:spAutoFit/>
+            </a:bodyPr>
+            <a:lstStyle/>
+            <a:p>
+              <a:r>
+                <a:rPr lang="en-US" sz="1200" dirty="0" smtClean="0"/>
+                <a:t>Node 1</a:t>
+              </a:r>
+              <a:endParaRPr lang="en-US" sz="1200" dirty="0"/>
+            </a:p>
+          </p:txBody>
+        </p:sp>
+      </p:grpSp>
+      <p:grpSp>
+        <p:nvGrpSpPr>
+          <p:cNvPr id="36" name="Group 35"/>
+          <p:cNvGrpSpPr/>
+          <p:nvPr/>
+        </p:nvGrpSpPr>
+        <p:grpSpPr>
+          <a:xfrm>
+            <a:off x="2771800" y="1643453"/>
+            <a:ext cx="936104" cy="1213103"/>
+            <a:chOff x="1214371" y="1320742"/>
+            <a:chExt cx="936104" cy="1213103"/>
+          </a:xfrm>
+        </p:grpSpPr>
+        <p:sp>
+          <p:nvSpPr>
+            <p:cNvPr id="37" name="Oval 36"/>
+            <p:cNvSpPr/>
+            <p:nvPr/>
+          </p:nvSpPr>
+          <p:spPr>
+            <a:xfrm>
+              <a:off x="1331640" y="1956203"/>
+              <a:ext cx="144016" cy="144016"/>
+            </a:xfrm>
+            <a:prstGeom prst="ellipse">
+              <a:avLst/>
+            </a:prstGeom>
+            <a:noFill/>
+            <a:ln>
+              <a:solidFill>
+                <a:schemeClr val="tx1"/>
+              </a:solidFill>
+            </a:ln>
+          </p:spPr>
+          <p:style>
+            <a:lnRef idx="2">
+              <a:schemeClr val="accent1">
+                <a:shade val="50000"/>
+              </a:schemeClr>
+            </a:lnRef>
+            <a:fillRef idx="1">
+              <a:schemeClr val="accent1"/>
+            </a:fillRef>
+            <a:effectRef idx="0">
+              <a:schemeClr val="accent1"/>
+            </a:effectRef>
+            <a:fontRef idx="minor">
+              <a:schemeClr val="lt1"/>
+            </a:fontRef>
+          </p:style>
+          <p:txBody>
+            <a:bodyPr rtlCol="0" anchor="ctr"/>
+            <a:lstStyle/>
+            <a:p>
+              <a:pPr algn="ctr"/>
+              <a:endParaRPr lang="en-US"/>
+            </a:p>
+          </p:txBody>
+        </p:sp>
+        <p:sp>
+          <p:nvSpPr>
+            <p:cNvPr id="38" name="Oval 37"/>
+            <p:cNvSpPr/>
+            <p:nvPr/>
+          </p:nvSpPr>
+          <p:spPr>
+            <a:xfrm>
+              <a:off x="1754431" y="1809573"/>
+              <a:ext cx="144016" cy="144016"/>
+            </a:xfrm>
+            <a:prstGeom prst="ellipse">
+              <a:avLst/>
+            </a:prstGeom>
+            <a:noFill/>
+            <a:ln>
+              <a:solidFill>
+                <a:schemeClr val="tx1"/>
+              </a:solidFill>
+            </a:ln>
+          </p:spPr>
+          <p:style>
+            <a:lnRef idx="2">
+              <a:schemeClr val="accent1">
+                <a:shade val="50000"/>
+              </a:schemeClr>
+            </a:lnRef>
+            <a:fillRef idx="1">
+              <a:schemeClr val="accent1"/>
+            </a:fillRef>
+            <a:effectRef idx="0">
+              <a:schemeClr val="accent1"/>
+            </a:effectRef>
+            <a:fontRef idx="minor">
+              <a:schemeClr val="lt1"/>
+            </a:fontRef>
+          </p:style>
+          <p:txBody>
+            <a:bodyPr rtlCol="0" anchor="ctr"/>
+            <a:lstStyle/>
+            <a:p>
+              <a:pPr algn="ctr"/>
+              <a:endParaRPr lang="en-US"/>
+            </a:p>
+          </p:txBody>
+        </p:sp>
+        <p:sp>
+          <p:nvSpPr>
+            <p:cNvPr id="39" name="Oval 38"/>
+            <p:cNvSpPr/>
+            <p:nvPr/>
+          </p:nvSpPr>
+          <p:spPr>
+            <a:xfrm>
+              <a:off x="1610415" y="2177997"/>
+              <a:ext cx="144016" cy="144016"/>
+            </a:xfrm>
+            <a:prstGeom prst="ellipse">
+              <a:avLst/>
+            </a:prstGeom>
+            <a:noFill/>
+            <a:ln>
+              <a:solidFill>
+                <a:schemeClr val="tx1"/>
+              </a:solidFill>
+            </a:ln>
+          </p:spPr>
+          <p:style>
+            <a:lnRef idx="2">
+              <a:schemeClr val="accent1">
+                <a:shade val="50000"/>
+              </a:schemeClr>
+            </a:lnRef>
+            <a:fillRef idx="1">
+              <a:schemeClr val="accent1"/>
+            </a:fillRef>
+            <a:effectRef idx="0">
+              <a:schemeClr val="accent1"/>
+            </a:effectRef>
+            <a:fontRef idx="minor">
+              <a:schemeClr val="lt1"/>
+            </a:fontRef>
+          </p:style>
+          <p:txBody>
+            <a:bodyPr rtlCol="0" anchor="ctr"/>
+            <a:lstStyle/>
+            <a:p>
+              <a:pPr algn="ctr"/>
+              <a:endParaRPr lang="en-US"/>
+            </a:p>
+          </p:txBody>
+        </p:sp>
+        <p:cxnSp>
+          <p:nvCxnSpPr>
+            <p:cNvPr id="40" name="Curved Connector 39"/>
+            <p:cNvCxnSpPr>
+              <a:stCxn id="37" idx="6"/>
+              <a:endCxn id="38" idx="2"/>
+            </p:cNvCxnSpPr>
+            <p:nvPr/>
+          </p:nvCxnSpPr>
+          <p:spPr>
+            <a:xfrm flipV="1">
+              <a:off x="1475656" y="1881581"/>
+              <a:ext cx="278775" cy="146630"/>
+            </a:xfrm>
+            <a:prstGeom prst="curvedConnector3">
+              <a:avLst>
+                <a:gd name="adj1" fmla="val 50000"/>
+              </a:avLst>
+            </a:prstGeom>
+            <a:ln>
+              <a:tailEnd type="arrow"/>
+            </a:ln>
+          </p:spPr>
+          <p:style>
+            <a:lnRef idx="1">
+              <a:schemeClr val="accent1"/>
+            </a:lnRef>
+            <a:fillRef idx="0">
+              <a:schemeClr val="accent1"/>
+            </a:fillRef>
+            <a:effectRef idx="0">
+              <a:schemeClr val="accent1"/>
+            </a:effectRef>
+            <a:fontRef idx="minor">
+              <a:schemeClr val="tx1"/>
+            </a:fontRef>
+          </p:style>
+        </p:cxnSp>
+        <p:cxnSp>
+          <p:nvCxnSpPr>
+            <p:cNvPr id="41" name="Curved Connector 40"/>
+            <p:cNvCxnSpPr>
+              <a:stCxn id="38" idx="6"/>
+              <a:endCxn id="39" idx="6"/>
+            </p:cNvCxnSpPr>
+            <p:nvPr/>
+          </p:nvCxnSpPr>
+          <p:spPr>
+            <a:xfrm flipH="1">
+              <a:off x="1754431" y="1881581"/>
+              <a:ext cx="144016" cy="368424"/>
+            </a:xfrm>
+            <a:prstGeom prst="curvedConnector3">
+              <a:avLst>
+                <a:gd name="adj1" fmla="val -63789"/>
+              </a:avLst>
+            </a:prstGeom>
+            <a:ln>
+              <a:tailEnd type="arrow"/>
+            </a:ln>
+          </p:spPr>
+          <p:style>
+            <a:lnRef idx="1">
+              <a:schemeClr val="accent1"/>
+            </a:lnRef>
+            <a:fillRef idx="0">
+              <a:schemeClr val="accent1"/>
+            </a:fillRef>
+            <a:effectRef idx="0">
+              <a:schemeClr val="accent1"/>
+            </a:effectRef>
+            <a:fontRef idx="minor">
+              <a:schemeClr val="tx1"/>
+            </a:fontRef>
+          </p:style>
+        </p:cxnSp>
+        <p:cxnSp>
+          <p:nvCxnSpPr>
+            <p:cNvPr id="42" name="Curved Connector 41"/>
+            <p:cNvCxnSpPr>
+              <a:stCxn id="37" idx="4"/>
+              <a:endCxn id="39" idx="2"/>
+            </p:cNvCxnSpPr>
+            <p:nvPr/>
+          </p:nvCxnSpPr>
+          <p:spPr>
+            <a:xfrm rot="16200000" flipH="1">
+              <a:off x="1432138" y="2071728"/>
+              <a:ext cx="149786" cy="206767"/>
+            </a:xfrm>
+            <a:prstGeom prst="curvedConnector2">
+              <a:avLst/>
+            </a:prstGeom>
+            <a:ln>
+              <a:tailEnd type="arrow"/>
+            </a:ln>
+          </p:spPr>
+          <p:style>
+            <a:lnRef idx="1">
+              <a:schemeClr val="accent1"/>
+            </a:lnRef>
+            <a:fillRef idx="0">
+              <a:schemeClr val="accent1"/>
+            </a:fillRef>
+            <a:effectRef idx="0">
+              <a:schemeClr val="accent1"/>
+            </a:effectRef>
+            <a:fontRef idx="minor">
+              <a:schemeClr val="tx1"/>
+            </a:fontRef>
+          </p:style>
+        </p:cxnSp>
+        <p:sp>
+          <p:nvSpPr>
+            <p:cNvPr id="43" name="Rectangle 42"/>
+            <p:cNvSpPr/>
+            <p:nvPr/>
+          </p:nvSpPr>
+          <p:spPr>
+            <a:xfrm>
+              <a:off x="1214371" y="1597741"/>
+              <a:ext cx="936104" cy="936104"/>
+            </a:xfrm>
+            <a:prstGeom prst="rect">
+              <a:avLst/>
+            </a:prstGeom>
+            <a:noFill/>
+          </p:spPr>
+          <p:style>
+            <a:lnRef idx="2">
+              <a:schemeClr val="accent1">
+                <a:shade val="50000"/>
+              </a:schemeClr>
+            </a:lnRef>
+            <a:fillRef idx="1">
+              <a:schemeClr val="accent1"/>
+            </a:fillRef>
+            <a:effectRef idx="0">
+              <a:schemeClr val="accent1"/>
+            </a:effectRef>
+            <a:fontRef idx="minor">
+              <a:schemeClr val="lt1"/>
+            </a:fontRef>
+          </p:style>
+          <p:txBody>
+            <a:bodyPr rtlCol="0" anchor="ctr"/>
+            <a:lstStyle/>
+            <a:p>
+              <a:pPr algn="ctr"/>
+              <a:endParaRPr lang="en-US"/>
+            </a:p>
+          </p:txBody>
+        </p:sp>
+        <p:sp>
+          <p:nvSpPr>
+            <p:cNvPr id="44" name="TextBox 43"/>
+            <p:cNvSpPr txBox="1"/>
+            <p:nvPr/>
+          </p:nvSpPr>
+          <p:spPr>
+            <a:xfrm>
+              <a:off x="1292058" y="1320742"/>
+              <a:ext cx="636713" cy="276999"/>
+            </a:xfrm>
+            <a:prstGeom prst="rect">
+              <a:avLst/>
+            </a:prstGeom>
+            <a:noFill/>
+          </p:spPr>
+          <p:txBody>
+            <a:bodyPr wrap="none" rtlCol="0">
+              <a:spAutoFit/>
+            </a:bodyPr>
+            <a:lstStyle/>
+            <a:p>
+              <a:r>
+                <a:rPr lang="en-US" sz="1200" dirty="0" smtClean="0"/>
+                <a:t>Node 2</a:t>
+              </a:r>
+              <a:endParaRPr lang="en-US" sz="1200" dirty="0"/>
+            </a:p>
+          </p:txBody>
+        </p:sp>
+      </p:grpSp>
+      <p:grpSp>
+        <p:nvGrpSpPr>
+          <p:cNvPr id="45" name="Group 44"/>
+          <p:cNvGrpSpPr/>
+          <p:nvPr/>
+        </p:nvGrpSpPr>
+        <p:grpSpPr>
+          <a:xfrm>
+            <a:off x="1556047" y="2809971"/>
+            <a:ext cx="936104" cy="1213103"/>
+            <a:chOff x="1214371" y="1320742"/>
+            <a:chExt cx="936104" cy="1213103"/>
+          </a:xfrm>
+        </p:grpSpPr>
+        <p:sp>
+          <p:nvSpPr>
+            <p:cNvPr id="46" name="Oval 45"/>
+            <p:cNvSpPr/>
+            <p:nvPr/>
+          </p:nvSpPr>
+          <p:spPr>
+            <a:xfrm>
+              <a:off x="1331640" y="1956203"/>
+              <a:ext cx="144016" cy="144016"/>
+            </a:xfrm>
+            <a:prstGeom prst="ellipse">
+              <a:avLst/>
+            </a:prstGeom>
+            <a:noFill/>
+            <a:ln>
+              <a:solidFill>
+                <a:schemeClr val="tx1"/>
+              </a:solidFill>
+            </a:ln>
+          </p:spPr>
+          <p:style>
+            <a:lnRef idx="2">
+              <a:schemeClr val="accent1">
+                <a:shade val="50000"/>
+              </a:schemeClr>
+            </a:lnRef>
+            <a:fillRef idx="1">
+              <a:schemeClr val="accent1"/>
+            </a:fillRef>
+            <a:effectRef idx="0">
+              <a:schemeClr val="accent1"/>
+            </a:effectRef>
+            <a:fontRef idx="minor">
+              <a:schemeClr val="lt1"/>
+            </a:fontRef>
+          </p:style>
+          <p:txBody>
+            <a:bodyPr rtlCol="0" anchor="ctr"/>
+            <a:lstStyle/>
+            <a:p>
+              <a:pPr algn="ctr"/>
+              <a:endParaRPr lang="en-US"/>
+            </a:p>
+          </p:txBody>
+        </p:sp>
+        <p:sp>
+          <p:nvSpPr>
+            <p:cNvPr id="47" name="Oval 46"/>
+            <p:cNvSpPr/>
+            <p:nvPr/>
+          </p:nvSpPr>
+          <p:spPr>
+            <a:xfrm>
+              <a:off x="1754431" y="1809573"/>
+              <a:ext cx="144016" cy="144016"/>
+            </a:xfrm>
+            <a:prstGeom prst="ellipse">
+              <a:avLst/>
+            </a:prstGeom>
+            <a:noFill/>
+            <a:ln>
+              <a:solidFill>
+                <a:schemeClr val="tx1"/>
+              </a:solidFill>
+            </a:ln>
+          </p:spPr>
+          <p:style>
+            <a:lnRef idx="2">
+              <a:schemeClr val="accent1">
+                <a:shade val="50000"/>
+              </a:schemeClr>
+            </a:lnRef>
+            <a:fillRef idx="1">
+              <a:schemeClr val="accent1"/>
+            </a:fillRef>
+            <a:effectRef idx="0">
+              <a:schemeClr val="accent1"/>
+            </a:effectRef>
+            <a:fontRef idx="minor">
+              <a:schemeClr val="lt1"/>
+            </a:fontRef>
+          </p:style>
+          <p:txBody>
+            <a:bodyPr rtlCol="0" anchor="ctr"/>
+            <a:lstStyle/>
+            <a:p>
+              <a:pPr algn="ctr"/>
+              <a:endParaRPr lang="en-US"/>
+            </a:p>
+          </p:txBody>
+        </p:sp>
+        <p:sp>
+          <p:nvSpPr>
+            <p:cNvPr id="48" name="Oval 47"/>
+            <p:cNvSpPr/>
+            <p:nvPr/>
+          </p:nvSpPr>
+          <p:spPr>
+            <a:xfrm>
+              <a:off x="1610415" y="2177997"/>
+              <a:ext cx="144016" cy="144016"/>
+            </a:xfrm>
+            <a:prstGeom prst="ellipse">
+              <a:avLst/>
+            </a:prstGeom>
+            <a:noFill/>
+            <a:ln>
+              <a:solidFill>
+                <a:schemeClr val="tx1"/>
+              </a:solidFill>
+            </a:ln>
+          </p:spPr>
+          <p:style>
+            <a:lnRef idx="2">
+              <a:schemeClr val="accent1">
+                <a:shade val="50000"/>
+              </a:schemeClr>
+            </a:lnRef>
+            <a:fillRef idx="1">
+              <a:schemeClr val="accent1"/>
+            </a:fillRef>
+            <a:effectRef idx="0">
+              <a:schemeClr val="accent1"/>
+            </a:effectRef>
+            <a:fontRef idx="minor">
+              <a:schemeClr val="lt1"/>
+            </a:fontRef>
+          </p:style>
+          <p:txBody>
+            <a:bodyPr rtlCol="0" anchor="ctr"/>
+            <a:lstStyle/>
+            <a:p>
+              <a:pPr algn="ctr"/>
+              <a:endParaRPr lang="en-US"/>
+            </a:p>
+          </p:txBody>
+        </p:sp>
+        <p:cxnSp>
+          <p:nvCxnSpPr>
+            <p:cNvPr id="49" name="Curved Connector 48"/>
+            <p:cNvCxnSpPr>
+              <a:stCxn id="46" idx="6"/>
+              <a:endCxn id="47" idx="2"/>
+            </p:cNvCxnSpPr>
+            <p:nvPr/>
+          </p:nvCxnSpPr>
+          <p:spPr>
+            <a:xfrm flipV="1">
+              <a:off x="1475656" y="1881581"/>
+              <a:ext cx="278775" cy="146630"/>
+            </a:xfrm>
+            <a:prstGeom prst="curvedConnector3">
+              <a:avLst>
+                <a:gd name="adj1" fmla="val 50000"/>
+              </a:avLst>
+            </a:prstGeom>
+            <a:ln>
+              <a:tailEnd type="arrow"/>
+            </a:ln>
+          </p:spPr>
+          <p:style>
+            <a:lnRef idx="1">
+              <a:schemeClr val="accent1"/>
+            </a:lnRef>
+            <a:fillRef idx="0">
+              <a:schemeClr val="accent1"/>
+            </a:fillRef>
+            <a:effectRef idx="0">
+              <a:schemeClr val="accent1"/>
+            </a:effectRef>
+            <a:fontRef idx="minor">
+              <a:schemeClr val="tx1"/>
+            </a:fontRef>
+          </p:style>
+        </p:cxnSp>
+        <p:cxnSp>
+          <p:nvCxnSpPr>
+            <p:cNvPr id="50" name="Curved Connector 49"/>
+            <p:cNvCxnSpPr>
+              <a:stCxn id="47" idx="6"/>
+              <a:endCxn id="48" idx="6"/>
+            </p:cNvCxnSpPr>
+            <p:nvPr/>
+          </p:nvCxnSpPr>
+          <p:spPr>
+            <a:xfrm flipH="1">
+              <a:off x="1754431" y="1881581"/>
+              <a:ext cx="144016" cy="368424"/>
+            </a:xfrm>
+            <a:prstGeom prst="curvedConnector3">
+              <a:avLst>
+                <a:gd name="adj1" fmla="val -63789"/>
+              </a:avLst>
+            </a:prstGeom>
+            <a:ln>
+              <a:tailEnd type="arrow"/>
+            </a:ln>
+          </p:spPr>
+          <p:style>
+            <a:lnRef idx="1">
+              <a:schemeClr val="accent1"/>
+            </a:lnRef>
+            <a:fillRef idx="0">
+              <a:schemeClr val="accent1"/>
+            </a:fillRef>
+            <a:effectRef idx="0">
+              <a:schemeClr val="accent1"/>
+            </a:effectRef>
+            <a:fontRef idx="minor">
+              <a:schemeClr val="tx1"/>
+            </a:fontRef>
+          </p:style>
+        </p:cxnSp>
+        <p:cxnSp>
+          <p:nvCxnSpPr>
+            <p:cNvPr id="51" name="Curved Connector 50"/>
+            <p:cNvCxnSpPr>
+              <a:stCxn id="46" idx="4"/>
+              <a:endCxn id="48" idx="2"/>
+            </p:cNvCxnSpPr>
+            <p:nvPr/>
+          </p:nvCxnSpPr>
+          <p:spPr>
+            <a:xfrm rot="16200000" flipH="1">
+              <a:off x="1432138" y="2071728"/>
+              <a:ext cx="149786" cy="206767"/>
+            </a:xfrm>
+            <a:prstGeom prst="curvedConnector2">
+              <a:avLst/>
+            </a:prstGeom>
+            <a:ln>
+              <a:tailEnd type="arrow"/>
+            </a:ln>
+          </p:spPr>
+          <p:style>
+            <a:lnRef idx="1">
+              <a:schemeClr val="accent1"/>
+            </a:lnRef>
+            <a:fillRef idx="0">
+              <a:schemeClr val="accent1"/>
+            </a:fillRef>
+            <a:effectRef idx="0">
+              <a:schemeClr val="accent1"/>
+            </a:effectRef>
+            <a:fontRef idx="minor">
+              <a:schemeClr val="tx1"/>
+            </a:fontRef>
+          </p:style>
+        </p:cxnSp>
+        <p:sp>
+          <p:nvSpPr>
+            <p:cNvPr id="52" name="Rectangle 51"/>
+            <p:cNvSpPr/>
+            <p:nvPr/>
+          </p:nvSpPr>
+          <p:spPr>
+            <a:xfrm>
+              <a:off x="1214371" y="1597741"/>
+              <a:ext cx="936104" cy="936104"/>
+            </a:xfrm>
+            <a:prstGeom prst="rect">
+              <a:avLst/>
+            </a:prstGeom>
+            <a:noFill/>
+          </p:spPr>
+          <p:style>
+            <a:lnRef idx="2">
+              <a:schemeClr val="accent1">
+                <a:shade val="50000"/>
+              </a:schemeClr>
+            </a:lnRef>
+            <a:fillRef idx="1">
+              <a:schemeClr val="accent1"/>
+            </a:fillRef>
+            <a:effectRef idx="0">
+              <a:schemeClr val="accent1"/>
+            </a:effectRef>
+            <a:fontRef idx="minor">
+              <a:schemeClr val="lt1"/>
+            </a:fontRef>
+          </p:style>
+          <p:txBody>
+            <a:bodyPr rtlCol="0" anchor="ctr"/>
+            <a:lstStyle/>
+            <a:p>
+              <a:pPr algn="ctr"/>
+              <a:endParaRPr lang="en-US"/>
+            </a:p>
+          </p:txBody>
+        </p:sp>
+        <p:sp>
+          <p:nvSpPr>
+            <p:cNvPr id="53" name="TextBox 52"/>
+            <p:cNvSpPr txBox="1"/>
+            <p:nvPr/>
+          </p:nvSpPr>
+          <p:spPr>
+            <a:xfrm>
+              <a:off x="1292058" y="1320742"/>
+              <a:ext cx="636713" cy="276999"/>
+            </a:xfrm>
+            <a:prstGeom prst="rect">
+              <a:avLst/>
+            </a:prstGeom>
+            <a:noFill/>
+          </p:spPr>
+          <p:txBody>
+            <a:bodyPr wrap="none" rtlCol="0">
+              <a:spAutoFit/>
+            </a:bodyPr>
+            <a:lstStyle/>
+            <a:p>
+              <a:r>
+                <a:rPr lang="en-US" sz="1200" dirty="0" smtClean="0"/>
+                <a:t>Node 3</a:t>
+              </a:r>
+              <a:endParaRPr lang="en-US" sz="1200" dirty="0"/>
+            </a:p>
+          </p:txBody>
+        </p:sp>
+      </p:grpSp>
+      <p:grpSp>
+        <p:nvGrpSpPr>
+          <p:cNvPr id="54" name="Group 53"/>
+          <p:cNvGrpSpPr/>
+          <p:nvPr/>
+        </p:nvGrpSpPr>
+        <p:grpSpPr>
+          <a:xfrm>
+            <a:off x="3995936" y="2269810"/>
+            <a:ext cx="936104" cy="1213103"/>
+            <a:chOff x="1214371" y="1320742"/>
+            <a:chExt cx="936104" cy="1213103"/>
+          </a:xfrm>
+        </p:grpSpPr>
+        <p:sp>
+          <p:nvSpPr>
+            <p:cNvPr id="55" name="Oval 54"/>
+            <p:cNvSpPr/>
+            <p:nvPr/>
+          </p:nvSpPr>
+          <p:spPr>
+            <a:xfrm>
+              <a:off x="1331640" y="1956203"/>
+              <a:ext cx="144016" cy="144016"/>
+            </a:xfrm>
+            <a:prstGeom prst="ellipse">
+              <a:avLst/>
+            </a:prstGeom>
+            <a:noFill/>
+            <a:ln>
+              <a:solidFill>
+                <a:schemeClr val="tx1"/>
+              </a:solidFill>
+            </a:ln>
+          </p:spPr>
+          <p:style>
+            <a:lnRef idx="2">
+              <a:schemeClr val="accent1">
+                <a:shade val="50000"/>
+              </a:schemeClr>
+            </a:lnRef>
+            <a:fillRef idx="1">
+              <a:schemeClr val="accent1"/>
+            </a:fillRef>
+            <a:effectRef idx="0">
+              <a:schemeClr val="accent1"/>
+            </a:effectRef>
+            <a:fontRef idx="minor">
+              <a:schemeClr val="lt1"/>
+            </a:fontRef>
+          </p:style>
+          <p:txBody>
+            <a:bodyPr rtlCol="0" anchor="ctr"/>
+            <a:lstStyle/>
+            <a:p>
+              <a:pPr algn="ctr"/>
+              <a:endParaRPr lang="en-US"/>
+            </a:p>
+          </p:txBody>
+        </p:sp>
+        <p:sp>
+          <p:nvSpPr>
+            <p:cNvPr id="56" name="Oval 55"/>
+            <p:cNvSpPr/>
+            <p:nvPr/>
+          </p:nvSpPr>
+          <p:spPr>
+            <a:xfrm>
+              <a:off x="1754431" y="1809573"/>
+              <a:ext cx="144016" cy="144016"/>
+            </a:xfrm>
+            <a:prstGeom prst="ellipse">
+              <a:avLst/>
+            </a:prstGeom>
+            <a:noFill/>
+            <a:ln>
+              <a:solidFill>
+                <a:schemeClr val="tx1"/>
+              </a:solidFill>
+            </a:ln>
+          </p:spPr>
+          <p:style>
+            <a:lnRef idx="2">
+              <a:schemeClr val="accent1">
+                <a:shade val="50000"/>
+              </a:schemeClr>
+            </a:lnRef>
+            <a:fillRef idx="1">
+              <a:schemeClr val="accent1"/>
+            </a:fillRef>
+            <a:effectRef idx="0">
+              <a:schemeClr val="accent1"/>
+            </a:effectRef>
+            <a:fontRef idx="minor">
+              <a:schemeClr val="lt1"/>
+            </a:fontRef>
+          </p:style>
+          <p:txBody>
+            <a:bodyPr rtlCol="0" anchor="ctr"/>
+            <a:lstStyle/>
+            <a:p>
+              <a:pPr algn="ctr"/>
+              <a:endParaRPr lang="en-US"/>
+            </a:p>
+          </p:txBody>
+        </p:sp>
+        <p:sp>
+          <p:nvSpPr>
+            <p:cNvPr id="57" name="Oval 56"/>
+            <p:cNvSpPr/>
+            <p:nvPr/>
+          </p:nvSpPr>
+          <p:spPr>
+            <a:xfrm>
+              <a:off x="1610415" y="2177997"/>
+              <a:ext cx="144016" cy="144016"/>
+            </a:xfrm>
+            <a:prstGeom prst="ellipse">
+              <a:avLst/>
+            </a:prstGeom>
+            <a:noFill/>
+            <a:ln>
+              <a:solidFill>
+                <a:schemeClr val="tx1"/>
+              </a:solidFill>
+            </a:ln>
+          </p:spPr>
+          <p:style>
+            <a:lnRef idx="2">
+              <a:schemeClr val="accent1">
+                <a:shade val="50000"/>
+              </a:schemeClr>
+            </a:lnRef>
+            <a:fillRef idx="1">
+              <a:schemeClr val="accent1"/>
+            </a:fillRef>
+            <a:effectRef idx="0">
+              <a:schemeClr val="accent1"/>
+            </a:effectRef>
+            <a:fontRef idx="minor">
+              <a:schemeClr val="lt1"/>
+            </a:fontRef>
+          </p:style>
+          <p:txBody>
+            <a:bodyPr rtlCol="0" anchor="ctr"/>
+            <a:lstStyle/>
+            <a:p>
+              <a:pPr algn="ctr"/>
+              <a:endParaRPr lang="en-US"/>
+            </a:p>
+          </p:txBody>
+        </p:sp>
+        <p:cxnSp>
+          <p:nvCxnSpPr>
+            <p:cNvPr id="58" name="Curved Connector 57"/>
+            <p:cNvCxnSpPr>
+              <a:stCxn id="55" idx="6"/>
+              <a:endCxn id="56" idx="2"/>
+            </p:cNvCxnSpPr>
+            <p:nvPr/>
+          </p:nvCxnSpPr>
+          <p:spPr>
+            <a:xfrm flipV="1">
+              <a:off x="1475656" y="1881581"/>
+              <a:ext cx="278775" cy="146630"/>
+            </a:xfrm>
+            <a:prstGeom prst="curvedConnector3">
+              <a:avLst>
+                <a:gd name="adj1" fmla="val 50000"/>
+              </a:avLst>
+            </a:prstGeom>
+            <a:ln>
+              <a:tailEnd type="arrow"/>
+            </a:ln>
+          </p:spPr>
+          <p:style>
+            <a:lnRef idx="1">
+              <a:schemeClr val="accent1"/>
+            </a:lnRef>
+            <a:fillRef idx="0">
+              <a:schemeClr val="accent1"/>
+            </a:fillRef>
+            <a:effectRef idx="0">
+              <a:schemeClr val="accent1"/>
+            </a:effectRef>
+            <a:fontRef idx="minor">
+              <a:schemeClr val="tx1"/>
+            </a:fontRef>
+          </p:style>
+        </p:cxnSp>
+        <p:cxnSp>
+          <p:nvCxnSpPr>
+            <p:cNvPr id="59" name="Curved Connector 58"/>
+            <p:cNvCxnSpPr>
+              <a:stCxn id="56" idx="6"/>
+              <a:endCxn id="57" idx="6"/>
+            </p:cNvCxnSpPr>
+            <p:nvPr/>
+          </p:nvCxnSpPr>
+          <p:spPr>
+            <a:xfrm flipH="1">
+              <a:off x="1754431" y="1881581"/>
+              <a:ext cx="144016" cy="368424"/>
+            </a:xfrm>
+            <a:prstGeom prst="curvedConnector3">
+              <a:avLst>
+                <a:gd name="adj1" fmla="val -63789"/>
+              </a:avLst>
+            </a:prstGeom>
+            <a:ln>
+              <a:tailEnd type="arrow"/>
+            </a:ln>
+          </p:spPr>
+          <p:style>
+            <a:lnRef idx="1">
+              <a:schemeClr val="accent1"/>
+            </a:lnRef>
+            <a:fillRef idx="0">
+              <a:schemeClr val="accent1"/>
+            </a:fillRef>
+            <a:effectRef idx="0">
+              <a:schemeClr val="accent1"/>
+            </a:effectRef>
+            <a:fontRef idx="minor">
+              <a:schemeClr val="tx1"/>
+            </a:fontRef>
+          </p:style>
+        </p:cxnSp>
+        <p:cxnSp>
+          <p:nvCxnSpPr>
+            <p:cNvPr id="60" name="Curved Connector 59"/>
+            <p:cNvCxnSpPr>
+              <a:stCxn id="55" idx="4"/>
+              <a:endCxn id="57" idx="2"/>
+            </p:cNvCxnSpPr>
+            <p:nvPr/>
+          </p:nvCxnSpPr>
+          <p:spPr>
+            <a:xfrm rot="16200000" flipH="1">
+              <a:off x="1432138" y="2071728"/>
+              <a:ext cx="149786" cy="206767"/>
+            </a:xfrm>
+            <a:prstGeom prst="curvedConnector2">
+              <a:avLst/>
+            </a:prstGeom>
+            <a:ln>
+              <a:tailEnd type="arrow"/>
+            </a:ln>
+          </p:spPr>
+          <p:style>
+            <a:lnRef idx="1">
+              <a:schemeClr val="accent1"/>
+            </a:lnRef>
+            <a:fillRef idx="0">
+              <a:schemeClr val="accent1"/>
+            </a:fillRef>
+            <a:effectRef idx="0">
+              <a:schemeClr val="accent1"/>
+            </a:effectRef>
+            <a:fontRef idx="minor">
+              <a:schemeClr val="tx1"/>
+            </a:fontRef>
+          </p:style>
+        </p:cxnSp>
+        <p:sp>
+          <p:nvSpPr>
+            <p:cNvPr id="61" name="Rectangle 60"/>
+            <p:cNvSpPr/>
+            <p:nvPr/>
+          </p:nvSpPr>
+          <p:spPr>
+            <a:xfrm>
+              <a:off x="1214371" y="1597741"/>
+              <a:ext cx="936104" cy="936104"/>
+            </a:xfrm>
+            <a:prstGeom prst="rect">
+              <a:avLst/>
+            </a:prstGeom>
+            <a:noFill/>
+          </p:spPr>
+          <p:style>
+            <a:lnRef idx="2">
+              <a:schemeClr val="accent1">
+                <a:shade val="50000"/>
+              </a:schemeClr>
+            </a:lnRef>
+            <a:fillRef idx="1">
+              <a:schemeClr val="accent1"/>
+            </a:fillRef>
+            <a:effectRef idx="0">
+              <a:schemeClr val="accent1"/>
+            </a:effectRef>
+            <a:fontRef idx="minor">
+              <a:schemeClr val="lt1"/>
+            </a:fontRef>
+          </p:style>
+          <p:txBody>
+            <a:bodyPr rtlCol="0" anchor="ctr"/>
+            <a:lstStyle/>
+            <a:p>
+              <a:pPr algn="ctr"/>
+              <a:endParaRPr lang="en-US"/>
+            </a:p>
+          </p:txBody>
+        </p:sp>
+        <p:sp>
+          <p:nvSpPr>
+            <p:cNvPr id="62" name="TextBox 61"/>
+            <p:cNvSpPr txBox="1"/>
+            <p:nvPr/>
+          </p:nvSpPr>
+          <p:spPr>
+            <a:xfrm>
+              <a:off x="1292058" y="1320742"/>
+              <a:ext cx="636713" cy="276999"/>
+            </a:xfrm>
+            <a:prstGeom prst="rect">
+              <a:avLst/>
+            </a:prstGeom>
+            <a:noFill/>
+          </p:spPr>
+          <p:txBody>
+            <a:bodyPr wrap="none" rtlCol="0">
+              <a:spAutoFit/>
+            </a:bodyPr>
+            <a:lstStyle/>
+            <a:p>
+              <a:r>
+                <a:rPr lang="en-US" sz="1200" dirty="0" smtClean="0"/>
+                <a:t>Node 4</a:t>
+              </a:r>
+              <a:endParaRPr lang="en-US" sz="1200" dirty="0"/>
+            </a:p>
+          </p:txBody>
+        </p:sp>
+      </p:grpSp>
+    </p:spTree>
+    <p:extLst>
+      <p:ext uri="{BB962C8B-B14F-4D97-AF65-F5344CB8AC3E}">
+        <p14:creationId xmlns:p14="http://schemas.microsoft.com/office/powerpoint/2010/main" val="1398957038"/>
+      </p:ext>
+    </p:extLst>
+  </p:cSld>
+  <p:clrMapOvr>
+    <a:masterClrMapping/>
+  </p:clrMapOvr>
+</p:sld>
+</file>
+
+<file path=ppt/slides/slide6.xml><?xml version="1.0" encoding="utf-8"?>
+<p:sld xmlns:a="http://schemas.openxmlformats.org/drawingml/2006/main" xmlns:r="http://schemas.openxmlformats.org/officeDocument/2006/relationships" xmlns:p="http://schemas.openxmlformats.org/presentationml/2006/main">
+  <p:cSld>
+    <p:spTree>
+      <p:nvGrpSpPr>
+        <p:cNvPr id="1" name=""/>
+        <p:cNvGrpSpPr/>
+        <p:nvPr/>
+      </p:nvGrpSpPr>
+      <p:grpSpPr>
+        <a:xfrm>
+          <a:off x="0" y="0"/>
+          <a:ext cx="0" cy="0"/>
+          <a:chOff x="0" y="0"/>
+          <a:chExt cx="0" cy="0"/>
+        </a:xfrm>
+      </p:grpSpPr>
+      <p:cxnSp>
+        <p:nvCxnSpPr>
+          <p:cNvPr id="27" name="Straight Connector 26"/>
+          <p:cNvCxnSpPr/>
+          <p:nvPr/>
+        </p:nvCxnSpPr>
+        <p:spPr>
+          <a:xfrm flipV="1">
+            <a:off x="827584" y="1771734"/>
+            <a:ext cx="3816424" cy="1084"/>
+          </a:xfrm>
+          <a:prstGeom prst="line">
+            <a:avLst/>
+          </a:prstGeom>
+          <a:ln w="15875"/>
+        </p:spPr>
+        <p:style>
+          <a:lnRef idx="1">
+            <a:schemeClr val="accent1"/>
+          </a:lnRef>
+          <a:fillRef idx="0">
+            <a:schemeClr val="accent1"/>
+          </a:fillRef>
+          <a:effectRef idx="0">
+            <a:schemeClr val="accent1"/>
+          </a:effectRef>
+          <a:fontRef idx="minor">
+            <a:schemeClr val="tx1"/>
+          </a:fontRef>
+        </p:style>
+      </p:cxnSp>
+      <p:cxnSp>
+        <p:nvCxnSpPr>
+          <p:cNvPr id="28" name="Straight Connector 27"/>
+          <p:cNvCxnSpPr/>
+          <p:nvPr/>
+        </p:nvCxnSpPr>
+        <p:spPr>
+          <a:xfrm>
+            <a:off x="827584" y="2060849"/>
+            <a:ext cx="3816424" cy="0"/>
+          </a:xfrm>
+          <a:prstGeom prst="line">
+            <a:avLst/>
+          </a:prstGeom>
+          <a:ln w="15875">
+            <a:solidFill>
+              <a:srgbClr val="00B0F0"/>
+            </a:solidFill>
+          </a:ln>
+        </p:spPr>
+        <p:style>
+          <a:lnRef idx="1">
+            <a:schemeClr val="accent1"/>
+          </a:lnRef>
+          <a:fillRef idx="0">
+            <a:schemeClr val="accent1"/>
+          </a:fillRef>
+          <a:effectRef idx="0">
+            <a:schemeClr val="accent1"/>
+          </a:effectRef>
+          <a:fontRef idx="minor">
+            <a:schemeClr val="tx1"/>
+          </a:fontRef>
+        </p:style>
+      </p:cxnSp>
+      <p:cxnSp>
+        <p:nvCxnSpPr>
+          <p:cNvPr id="29" name="Straight Connector 28"/>
+          <p:cNvCxnSpPr/>
+          <p:nvPr/>
+        </p:nvCxnSpPr>
+        <p:spPr>
+          <a:xfrm>
+            <a:off x="827584" y="2204864"/>
+            <a:ext cx="3816424" cy="0"/>
+          </a:xfrm>
+          <a:prstGeom prst="line">
+            <a:avLst/>
+          </a:prstGeom>
+          <a:ln w="15875">
+            <a:solidFill>
+              <a:srgbClr val="00B0F0"/>
+            </a:solidFill>
+          </a:ln>
+        </p:spPr>
+        <p:style>
+          <a:lnRef idx="1">
+            <a:schemeClr val="accent1"/>
+          </a:lnRef>
+          <a:fillRef idx="0">
+            <a:schemeClr val="accent1"/>
+          </a:fillRef>
+          <a:effectRef idx="0">
+            <a:schemeClr val="accent1"/>
+          </a:effectRef>
+          <a:fontRef idx="minor">
+            <a:schemeClr val="tx1"/>
+          </a:fontRef>
+        </p:style>
+      </p:cxnSp>
+      <p:cxnSp>
+        <p:nvCxnSpPr>
+          <p:cNvPr id="30" name="Straight Connector 29"/>
+          <p:cNvCxnSpPr/>
+          <p:nvPr/>
+        </p:nvCxnSpPr>
+        <p:spPr>
+          <a:xfrm flipV="1">
+            <a:off x="827584" y="2347179"/>
+            <a:ext cx="3816424" cy="1701"/>
+          </a:xfrm>
+          <a:prstGeom prst="line">
+            <a:avLst/>
+          </a:prstGeom>
+          <a:ln w="15875">
+            <a:solidFill>
+              <a:srgbClr val="00B0F0"/>
+            </a:solidFill>
+          </a:ln>
+        </p:spPr>
+        <p:style>
+          <a:lnRef idx="1">
+            <a:schemeClr val="accent1"/>
+          </a:lnRef>
+          <a:fillRef idx="0">
+            <a:schemeClr val="accent1"/>
+          </a:fillRef>
+          <a:effectRef idx="0">
+            <a:schemeClr val="accent1"/>
+          </a:effectRef>
+          <a:fontRef idx="minor">
+            <a:schemeClr val="tx1"/>
+          </a:fontRef>
+        </p:style>
+      </p:cxnSp>
+      <p:cxnSp>
+        <p:nvCxnSpPr>
+          <p:cNvPr id="31" name="Straight Connector 30"/>
+          <p:cNvCxnSpPr/>
+          <p:nvPr/>
+        </p:nvCxnSpPr>
+        <p:spPr>
+          <a:xfrm flipV="1">
+            <a:off x="827584" y="2491195"/>
+            <a:ext cx="3816424" cy="1701"/>
+          </a:xfrm>
+          <a:prstGeom prst="line">
+            <a:avLst/>
+          </a:prstGeom>
+          <a:ln w="15875">
+            <a:solidFill>
+              <a:schemeClr val="accent2"/>
+            </a:solidFill>
+            <a:prstDash val="solid"/>
+          </a:ln>
+        </p:spPr>
+        <p:style>
+          <a:lnRef idx="1">
+            <a:schemeClr val="accent1"/>
+          </a:lnRef>
+          <a:fillRef idx="0">
+            <a:schemeClr val="accent1"/>
+          </a:fillRef>
+          <a:effectRef idx="0">
+            <a:schemeClr val="accent1"/>
+          </a:effectRef>
+          <a:fontRef idx="minor">
+            <a:schemeClr val="tx1"/>
+          </a:fontRef>
+        </p:style>
+      </p:cxnSp>
+      <p:sp>
+        <p:nvSpPr>
+          <p:cNvPr id="32" name="TextBox 31"/>
+          <p:cNvSpPr txBox="1"/>
+          <p:nvPr/>
+        </p:nvSpPr>
+        <p:spPr>
+          <a:xfrm>
+            <a:off x="4640957" y="1632152"/>
+            <a:ext cx="609462" cy="276999"/>
+          </a:xfrm>
+          <a:prstGeom prst="rect">
+            <a:avLst/>
+          </a:prstGeom>
+          <a:noFill/>
+        </p:spPr>
+        <p:txBody>
+          <a:bodyPr wrap="none" rtlCol="0">
+            <a:spAutoFit/>
+          </a:bodyPr>
+          <a:lstStyle/>
+          <a:p>
+            <a:r>
+              <a:rPr lang="en-US" sz="1200" dirty="0" smtClean="0"/>
+              <a:t>Leader</a:t>
+            </a:r>
+            <a:endParaRPr lang="en-US" sz="1200" dirty="0"/>
+          </a:p>
+        </p:txBody>
+      </p:sp>
+      <p:grpSp>
+        <p:nvGrpSpPr>
+          <p:cNvPr id="33" name="Group 32"/>
+          <p:cNvGrpSpPr/>
+          <p:nvPr/>
+        </p:nvGrpSpPr>
+        <p:grpSpPr>
+          <a:xfrm>
+            <a:off x="1115616" y="1772815"/>
+            <a:ext cx="457200" cy="720081"/>
+            <a:chOff x="1115616" y="1772815"/>
+            <a:chExt cx="457200" cy="720081"/>
+          </a:xfrm>
+        </p:grpSpPr>
+        <p:cxnSp>
+          <p:nvCxnSpPr>
+            <p:cNvPr id="34" name="Straight Arrow Connector 33"/>
+            <p:cNvCxnSpPr/>
+            <p:nvPr/>
+          </p:nvCxnSpPr>
+          <p:spPr>
+            <a:xfrm>
+              <a:off x="1115616" y="1772815"/>
+              <a:ext cx="457200" cy="288033"/>
+            </a:xfrm>
+            <a:prstGeom prst="straightConnector1">
+              <a:avLst/>
+            </a:prstGeom>
+            <a:ln>
+              <a:solidFill>
+                <a:schemeClr val="accent6"/>
+              </a:solidFill>
+              <a:tailEnd type="arrow"/>
+            </a:ln>
+          </p:spPr>
+          <p:style>
+            <a:lnRef idx="1">
+              <a:schemeClr val="accent1"/>
+            </a:lnRef>
+            <a:fillRef idx="0">
+              <a:schemeClr val="accent1"/>
+            </a:fillRef>
+            <a:effectRef idx="0">
+              <a:schemeClr val="accent1"/>
+            </a:effectRef>
+            <a:fontRef idx="minor">
+              <a:schemeClr val="tx1"/>
+            </a:fontRef>
+          </p:style>
+        </p:cxnSp>
+        <p:cxnSp>
+          <p:nvCxnSpPr>
+            <p:cNvPr id="35" name="Straight Arrow Connector 34"/>
+            <p:cNvCxnSpPr/>
+            <p:nvPr/>
+          </p:nvCxnSpPr>
+          <p:spPr>
+            <a:xfrm>
+              <a:off x="1115616" y="1772816"/>
+              <a:ext cx="457200" cy="440432"/>
+            </a:xfrm>
+            <a:prstGeom prst="straightConnector1">
+              <a:avLst/>
+            </a:prstGeom>
+            <a:ln>
+              <a:solidFill>
+                <a:schemeClr val="accent6"/>
+              </a:solidFill>
+              <a:tailEnd type="arrow"/>
+            </a:ln>
+          </p:spPr>
+          <p:style>
+            <a:lnRef idx="1">
+              <a:schemeClr val="accent1"/>
+            </a:lnRef>
+            <a:fillRef idx="0">
+              <a:schemeClr val="accent1"/>
+            </a:fillRef>
+            <a:effectRef idx="0">
+              <a:schemeClr val="accent1"/>
+            </a:effectRef>
+            <a:fontRef idx="minor">
+              <a:schemeClr val="tx1"/>
+            </a:fontRef>
+          </p:style>
+        </p:cxnSp>
+        <p:cxnSp>
+          <p:nvCxnSpPr>
+            <p:cNvPr id="36" name="Straight Arrow Connector 35"/>
+            <p:cNvCxnSpPr/>
+            <p:nvPr/>
+          </p:nvCxnSpPr>
+          <p:spPr>
+            <a:xfrm>
+              <a:off x="1115616" y="1772816"/>
+              <a:ext cx="457200" cy="576064"/>
+            </a:xfrm>
+            <a:prstGeom prst="straightConnector1">
+              <a:avLst/>
+            </a:prstGeom>
+            <a:ln>
+              <a:solidFill>
+                <a:schemeClr val="accent6"/>
+              </a:solidFill>
+              <a:tailEnd type="arrow"/>
+            </a:ln>
+          </p:spPr>
+          <p:style>
+            <a:lnRef idx="1">
+              <a:schemeClr val="accent1"/>
+            </a:lnRef>
+            <a:fillRef idx="0">
+              <a:schemeClr val="accent1"/>
+            </a:fillRef>
+            <a:effectRef idx="0">
+              <a:schemeClr val="accent1"/>
+            </a:effectRef>
+            <a:fontRef idx="minor">
+              <a:schemeClr val="tx1"/>
+            </a:fontRef>
+          </p:style>
+        </p:cxnSp>
+        <p:cxnSp>
+          <p:nvCxnSpPr>
+            <p:cNvPr id="37" name="Straight Arrow Connector 36"/>
+            <p:cNvCxnSpPr/>
+            <p:nvPr/>
+          </p:nvCxnSpPr>
+          <p:spPr>
+            <a:xfrm>
+              <a:off x="1115616" y="1772816"/>
+              <a:ext cx="457200" cy="720080"/>
+            </a:xfrm>
+            <a:prstGeom prst="straightConnector1">
+              <a:avLst/>
+            </a:prstGeom>
+            <a:ln>
+              <a:solidFill>
+                <a:schemeClr val="accent6"/>
+              </a:solidFill>
+              <a:tailEnd type="arrow"/>
+            </a:ln>
+          </p:spPr>
+          <p:style>
+            <a:lnRef idx="1">
+              <a:schemeClr val="accent1"/>
+            </a:lnRef>
+            <a:fillRef idx="0">
+              <a:schemeClr val="accent1"/>
+            </a:fillRef>
+            <a:effectRef idx="0">
+              <a:schemeClr val="accent1"/>
+            </a:effectRef>
+            <a:fontRef idx="minor">
+              <a:schemeClr val="tx1"/>
+            </a:fontRef>
+          </p:style>
+        </p:cxnSp>
+      </p:grpSp>
+      <p:cxnSp>
+        <p:nvCxnSpPr>
+          <p:cNvPr id="39" name="Straight Arrow Connector 38"/>
+          <p:cNvCxnSpPr/>
+          <p:nvPr/>
+        </p:nvCxnSpPr>
+        <p:spPr>
+          <a:xfrm flipV="1">
+            <a:off x="1907704" y="1772817"/>
+            <a:ext cx="256220" cy="576064"/>
+          </a:xfrm>
+          <a:prstGeom prst="straightConnector1">
+            <a:avLst/>
+          </a:prstGeom>
+          <a:ln>
+            <a:solidFill>
+              <a:schemeClr val="accent3"/>
+            </a:solidFill>
+            <a:tailEnd type="arrow"/>
+          </a:ln>
+        </p:spPr>
+        <p:style>
+          <a:lnRef idx="1">
+            <a:schemeClr val="accent1"/>
+          </a:lnRef>
+          <a:fillRef idx="0">
+            <a:schemeClr val="accent1"/>
+          </a:fillRef>
+          <a:effectRef idx="0">
+            <a:schemeClr val="accent1"/>
+          </a:effectRef>
+          <a:fontRef idx="minor">
+            <a:schemeClr val="tx1"/>
+          </a:fontRef>
+        </p:style>
+      </p:cxnSp>
+      <p:cxnSp>
+        <p:nvCxnSpPr>
+          <p:cNvPr id="40" name="Straight Arrow Connector 39"/>
+          <p:cNvCxnSpPr/>
+          <p:nvPr/>
+        </p:nvCxnSpPr>
+        <p:spPr>
+          <a:xfrm flipV="1">
+            <a:off x="2051720" y="1771734"/>
+            <a:ext cx="198022" cy="441515"/>
+          </a:xfrm>
+          <a:prstGeom prst="straightConnector1">
+            <a:avLst/>
+          </a:prstGeom>
+          <a:ln>
+            <a:solidFill>
+              <a:schemeClr val="accent3"/>
+            </a:solidFill>
+            <a:tailEnd type="arrow"/>
+          </a:ln>
+        </p:spPr>
+        <p:style>
+          <a:lnRef idx="1">
+            <a:schemeClr val="accent1"/>
+          </a:lnRef>
+          <a:fillRef idx="0">
+            <a:schemeClr val="accent1"/>
+          </a:fillRef>
+          <a:effectRef idx="0">
+            <a:schemeClr val="accent1"/>
+          </a:effectRef>
+          <a:fontRef idx="minor">
+            <a:schemeClr val="tx1"/>
+          </a:fontRef>
+        </p:style>
+      </p:cxnSp>
+      <p:cxnSp>
+        <p:nvCxnSpPr>
+          <p:cNvPr id="41" name="Straight Arrow Connector 40"/>
+          <p:cNvCxnSpPr/>
+          <p:nvPr/>
+        </p:nvCxnSpPr>
+        <p:spPr>
+          <a:xfrm flipV="1">
+            <a:off x="2195736" y="1772817"/>
+            <a:ext cx="139824" cy="288031"/>
+          </a:xfrm>
+          <a:prstGeom prst="straightConnector1">
+            <a:avLst/>
+          </a:prstGeom>
+          <a:ln>
+            <a:solidFill>
+              <a:schemeClr val="accent3"/>
+            </a:solidFill>
+            <a:tailEnd type="arrow"/>
+          </a:ln>
+        </p:spPr>
+        <p:style>
+          <a:lnRef idx="1">
+            <a:schemeClr val="accent1"/>
+          </a:lnRef>
+          <a:fillRef idx="0">
+            <a:schemeClr val="accent1"/>
+          </a:fillRef>
+          <a:effectRef idx="0">
+            <a:schemeClr val="accent1"/>
+          </a:effectRef>
+          <a:fontRef idx="minor">
+            <a:schemeClr val="tx1"/>
+          </a:fontRef>
+        </p:style>
+      </p:cxnSp>
+      <p:grpSp>
+        <p:nvGrpSpPr>
+          <p:cNvPr id="42" name="Group 41"/>
+          <p:cNvGrpSpPr/>
+          <p:nvPr/>
+        </p:nvGrpSpPr>
+        <p:grpSpPr>
+          <a:xfrm>
+            <a:off x="2627784" y="1772816"/>
+            <a:ext cx="457200" cy="720081"/>
+            <a:chOff x="1115616" y="1772815"/>
+            <a:chExt cx="457200" cy="720081"/>
+          </a:xfrm>
+        </p:grpSpPr>
+        <p:cxnSp>
+          <p:nvCxnSpPr>
+            <p:cNvPr id="43" name="Straight Arrow Connector 42"/>
+            <p:cNvCxnSpPr/>
+            <p:nvPr/>
+          </p:nvCxnSpPr>
+          <p:spPr>
+            <a:xfrm>
+              <a:off x="1115616" y="1772815"/>
+              <a:ext cx="457200" cy="288033"/>
+            </a:xfrm>
+            <a:prstGeom prst="straightConnector1">
+              <a:avLst/>
+            </a:prstGeom>
+            <a:ln>
+              <a:tailEnd type="arrow"/>
+            </a:ln>
+          </p:spPr>
+          <p:style>
+            <a:lnRef idx="1">
+              <a:schemeClr val="accent1"/>
+            </a:lnRef>
+            <a:fillRef idx="0">
+              <a:schemeClr val="accent1"/>
+            </a:fillRef>
+            <a:effectRef idx="0">
+              <a:schemeClr val="accent1"/>
+            </a:effectRef>
+            <a:fontRef idx="minor">
+              <a:schemeClr val="tx1"/>
+            </a:fontRef>
+          </p:style>
+        </p:cxnSp>
+        <p:cxnSp>
+          <p:nvCxnSpPr>
+            <p:cNvPr id="44" name="Straight Arrow Connector 43"/>
+            <p:cNvCxnSpPr/>
+            <p:nvPr/>
+          </p:nvCxnSpPr>
+          <p:spPr>
+            <a:xfrm>
+              <a:off x="1115616" y="1772816"/>
+              <a:ext cx="457200" cy="440432"/>
+            </a:xfrm>
+            <a:prstGeom prst="straightConnector1">
+              <a:avLst/>
+            </a:prstGeom>
+            <a:ln>
+              <a:tailEnd type="arrow"/>
+            </a:ln>
+          </p:spPr>
+          <p:style>
+            <a:lnRef idx="1">
+              <a:schemeClr val="accent1"/>
+            </a:lnRef>
+            <a:fillRef idx="0">
+              <a:schemeClr val="accent1"/>
+            </a:fillRef>
+            <a:effectRef idx="0">
+              <a:schemeClr val="accent1"/>
+            </a:effectRef>
+            <a:fontRef idx="minor">
+              <a:schemeClr val="tx1"/>
+            </a:fontRef>
+          </p:style>
+        </p:cxnSp>
+        <p:cxnSp>
+          <p:nvCxnSpPr>
+            <p:cNvPr id="45" name="Straight Arrow Connector 44"/>
+            <p:cNvCxnSpPr/>
+            <p:nvPr/>
+          </p:nvCxnSpPr>
+          <p:spPr>
+            <a:xfrm>
+              <a:off x="1115616" y="1772816"/>
+              <a:ext cx="457200" cy="576064"/>
+            </a:xfrm>
+            <a:prstGeom prst="straightConnector1">
+              <a:avLst/>
+            </a:prstGeom>
+            <a:ln>
+              <a:tailEnd type="arrow"/>
+            </a:ln>
+          </p:spPr>
+          <p:style>
+            <a:lnRef idx="1">
+              <a:schemeClr val="accent1"/>
+            </a:lnRef>
+            <a:fillRef idx="0">
+              <a:schemeClr val="accent1"/>
+            </a:fillRef>
+            <a:effectRef idx="0">
+              <a:schemeClr val="accent1"/>
+            </a:effectRef>
+            <a:fontRef idx="minor">
+              <a:schemeClr val="tx1"/>
+            </a:fontRef>
+          </p:style>
+        </p:cxnSp>
+        <p:cxnSp>
+          <p:nvCxnSpPr>
+            <p:cNvPr id="46" name="Straight Arrow Connector 45"/>
+            <p:cNvCxnSpPr/>
+            <p:nvPr/>
+          </p:nvCxnSpPr>
+          <p:spPr>
+            <a:xfrm>
+              <a:off x="1115616" y="1772816"/>
+              <a:ext cx="457200" cy="720080"/>
+            </a:xfrm>
+            <a:prstGeom prst="straightConnector1">
+              <a:avLst/>
+            </a:prstGeom>
+            <a:ln>
+              <a:tailEnd type="arrow"/>
+            </a:ln>
+          </p:spPr>
+          <p:style>
+            <a:lnRef idx="1">
+              <a:schemeClr val="accent1"/>
+            </a:lnRef>
+            <a:fillRef idx="0">
+              <a:schemeClr val="accent1"/>
+            </a:fillRef>
+            <a:effectRef idx="0">
+              <a:schemeClr val="accent1"/>
+            </a:effectRef>
+            <a:fontRef idx="minor">
+              <a:schemeClr val="tx1"/>
+            </a:fontRef>
+          </p:style>
+        </p:cxnSp>
+      </p:grpSp>
+      <p:cxnSp>
+        <p:nvCxnSpPr>
+          <p:cNvPr id="47" name="Straight Connector 46"/>
+          <p:cNvCxnSpPr/>
+          <p:nvPr/>
+        </p:nvCxnSpPr>
+        <p:spPr>
+          <a:xfrm>
+            <a:off x="2483768" y="1409659"/>
+            <a:ext cx="0" cy="1383588"/>
+          </a:xfrm>
+          <a:prstGeom prst="line">
+            <a:avLst/>
+          </a:prstGeom>
+          <a:ln w="9525">
+            <a:prstDash val="lgDashDotDot"/>
+          </a:ln>
+        </p:spPr>
+        <p:style>
+          <a:lnRef idx="1">
+            <a:schemeClr val="accent1"/>
+          </a:lnRef>
+          <a:fillRef idx="0">
+            <a:schemeClr val="accent1"/>
+          </a:fillRef>
+          <a:effectRef idx="0">
+            <a:schemeClr val="accent1"/>
+          </a:effectRef>
+          <a:fontRef idx="minor">
+            <a:schemeClr val="tx1"/>
+          </a:fontRef>
+        </p:style>
+      </p:cxnSp>
+      <p:sp>
+        <p:nvSpPr>
+          <p:cNvPr id="48" name="TextBox 47"/>
+          <p:cNvSpPr txBox="1"/>
+          <p:nvPr/>
+        </p:nvSpPr>
+        <p:spPr>
+          <a:xfrm>
+            <a:off x="1215815" y="1474539"/>
+            <a:ext cx="256802" cy="261610"/>
+          </a:xfrm>
+          <a:prstGeom prst="rect">
+            <a:avLst/>
+          </a:prstGeom>
+          <a:noFill/>
+        </p:spPr>
+        <p:txBody>
+          <a:bodyPr wrap="none" rtlCol="0">
+            <a:spAutoFit/>
+          </a:bodyPr>
+          <a:lstStyle/>
+          <a:p>
+            <a:r>
+              <a:rPr lang="en-US" sz="1050" dirty="0" smtClean="0"/>
+              <a:t>1</a:t>
+            </a:r>
+            <a:endParaRPr lang="en-US" sz="1050" dirty="0"/>
+          </a:p>
+        </p:txBody>
+      </p:sp>
+      <p:sp>
+        <p:nvSpPr>
+          <p:cNvPr id="50" name="Oval 49"/>
+          <p:cNvSpPr/>
+          <p:nvPr/>
+        </p:nvSpPr>
+        <p:spPr>
+          <a:xfrm>
+            <a:off x="899592" y="1741876"/>
+            <a:ext cx="89868" cy="57553"/>
+          </a:xfrm>
+          <a:prstGeom prst="ellipse">
+            <a:avLst/>
+          </a:prstGeom>
+        </p:spPr>
+        <p:style>
+          <a:lnRef idx="2">
+            <a:schemeClr val="accent1">
+              <a:shade val="50000"/>
+            </a:schemeClr>
+          </a:lnRef>
+          <a:fillRef idx="1">
+            <a:schemeClr val="accent1"/>
+          </a:fillRef>
+          <a:effectRef idx="0">
+            <a:schemeClr val="accent1"/>
+          </a:effectRef>
+          <a:fontRef idx="minor">
+            <a:schemeClr val="lt1"/>
+          </a:fontRef>
+        </p:style>
+        <p:txBody>
+          <a:bodyPr rtlCol="0" anchor="ctr"/>
+          <a:lstStyle/>
+          <a:p>
+            <a:pPr algn="ctr"/>
+            <a:endParaRPr lang="en-US"/>
+          </a:p>
+        </p:txBody>
+      </p:sp>
+      <p:cxnSp>
+        <p:nvCxnSpPr>
+          <p:cNvPr id="52" name="Straight Arrow Connector 51"/>
+          <p:cNvCxnSpPr>
+            <a:stCxn id="53" idx="2"/>
+            <a:endCxn id="50" idx="0"/>
+          </p:cNvCxnSpPr>
+          <p:nvPr/>
+        </p:nvCxnSpPr>
+        <p:spPr>
+          <a:xfrm>
+            <a:off x="944526" y="1536094"/>
+            <a:ext cx="0" cy="205782"/>
+          </a:xfrm>
+          <a:prstGeom prst="straightConnector1">
+            <a:avLst/>
+          </a:prstGeom>
+          <a:ln>
+            <a:tailEnd type="arrow"/>
+          </a:ln>
+        </p:spPr>
+        <p:style>
+          <a:lnRef idx="1">
+            <a:schemeClr val="accent1"/>
+          </a:lnRef>
+          <a:fillRef idx="0">
+            <a:schemeClr val="accent1"/>
+          </a:fillRef>
+          <a:effectRef idx="0">
+            <a:schemeClr val="accent1"/>
+          </a:effectRef>
+          <a:fontRef idx="minor">
+            <a:schemeClr val="tx1"/>
+          </a:fontRef>
+        </p:style>
+      </p:cxnSp>
+      <p:sp>
+        <p:nvSpPr>
+          <p:cNvPr id="53" name="TextBox 52"/>
+          <p:cNvSpPr txBox="1"/>
+          <p:nvPr/>
+        </p:nvSpPr>
+        <p:spPr>
+          <a:xfrm>
+            <a:off x="599720" y="1197540"/>
+            <a:ext cx="689612" cy="338554"/>
+          </a:xfrm>
+          <a:prstGeom prst="rect">
+            <a:avLst/>
+          </a:prstGeom>
+          <a:noFill/>
+        </p:spPr>
+        <p:txBody>
+          <a:bodyPr wrap="none" rtlCol="0">
+            <a:spAutoFit/>
+          </a:bodyPr>
+          <a:lstStyle/>
+          <a:p>
+            <a:pPr algn="ctr"/>
+            <a:r>
+              <a:rPr lang="en-US" sz="800" dirty="0" smtClean="0"/>
+              <a:t>Leader</a:t>
+            </a:r>
+            <a:br>
+              <a:rPr lang="en-US" sz="800" dirty="0" smtClean="0"/>
+            </a:br>
+            <a:r>
+              <a:rPr lang="en-US" sz="800" dirty="0" smtClean="0"/>
+              <a:t>self-appoint</a:t>
+            </a:r>
+            <a:endParaRPr lang="en-US" sz="800" dirty="0"/>
+          </a:p>
+        </p:txBody>
+      </p:sp>
+      <p:cxnSp>
+        <p:nvCxnSpPr>
+          <p:cNvPr id="55" name="Straight Connector 54"/>
+          <p:cNvCxnSpPr/>
+          <p:nvPr/>
+        </p:nvCxnSpPr>
+        <p:spPr>
+          <a:xfrm>
+            <a:off x="1691680" y="1409659"/>
+            <a:ext cx="0" cy="1383588"/>
+          </a:xfrm>
+          <a:prstGeom prst="line">
+            <a:avLst/>
+          </a:prstGeom>
+          <a:ln w="9525">
+            <a:prstDash val="lgDashDotDot"/>
+          </a:ln>
+        </p:spPr>
+        <p:style>
+          <a:lnRef idx="1">
+            <a:schemeClr val="accent1"/>
+          </a:lnRef>
+          <a:fillRef idx="0">
+            <a:schemeClr val="accent1"/>
+          </a:fillRef>
+          <a:effectRef idx="0">
+            <a:schemeClr val="accent1"/>
+          </a:effectRef>
+          <a:fontRef idx="minor">
+            <a:schemeClr val="tx1"/>
+          </a:fontRef>
+        </p:style>
+      </p:cxnSp>
+      <p:sp>
+        <p:nvSpPr>
+          <p:cNvPr id="56" name="TextBox 55"/>
+          <p:cNvSpPr txBox="1"/>
+          <p:nvPr/>
+        </p:nvSpPr>
+        <p:spPr>
+          <a:xfrm>
+            <a:off x="1938934" y="1480266"/>
+            <a:ext cx="256802" cy="261610"/>
+          </a:xfrm>
+          <a:prstGeom prst="rect">
+            <a:avLst/>
+          </a:prstGeom>
+          <a:noFill/>
+        </p:spPr>
+        <p:txBody>
+          <a:bodyPr wrap="none" rtlCol="0">
+            <a:spAutoFit/>
+          </a:bodyPr>
+          <a:lstStyle/>
+          <a:p>
+            <a:r>
+              <a:rPr lang="en-US" sz="1050" dirty="0" smtClean="0"/>
+              <a:t>2</a:t>
+            </a:r>
+            <a:endParaRPr lang="en-US" sz="1050" dirty="0"/>
+          </a:p>
+        </p:txBody>
+      </p:sp>
+      <p:sp>
+        <p:nvSpPr>
+          <p:cNvPr id="57" name="TextBox 56"/>
+          <p:cNvSpPr txBox="1"/>
+          <p:nvPr/>
+        </p:nvSpPr>
+        <p:spPr>
+          <a:xfrm>
+            <a:off x="2699792" y="1474539"/>
+            <a:ext cx="256802" cy="261610"/>
+          </a:xfrm>
+          <a:prstGeom prst="rect">
+            <a:avLst/>
+          </a:prstGeom>
+          <a:noFill/>
+        </p:spPr>
+        <p:txBody>
+          <a:bodyPr wrap="none" rtlCol="0">
+            <a:spAutoFit/>
+          </a:bodyPr>
+          <a:lstStyle/>
+          <a:p>
+            <a:r>
+              <a:rPr lang="en-US" sz="1050" dirty="0" smtClean="0"/>
+              <a:t>3</a:t>
+            </a:r>
+            <a:endParaRPr lang="en-US" sz="1050" dirty="0"/>
+          </a:p>
+        </p:txBody>
+      </p:sp>
+      <p:cxnSp>
+        <p:nvCxnSpPr>
+          <p:cNvPr id="58" name="Straight Connector 57"/>
+          <p:cNvCxnSpPr/>
+          <p:nvPr/>
+        </p:nvCxnSpPr>
+        <p:spPr>
+          <a:xfrm>
+            <a:off x="3203848" y="1419143"/>
+            <a:ext cx="0" cy="1383588"/>
+          </a:xfrm>
+          <a:prstGeom prst="line">
+            <a:avLst/>
+          </a:prstGeom>
+          <a:ln w="9525">
+            <a:prstDash val="lgDashDotDot"/>
+          </a:ln>
+        </p:spPr>
+        <p:style>
+          <a:lnRef idx="1">
+            <a:schemeClr val="accent1"/>
+          </a:lnRef>
+          <a:fillRef idx="0">
+            <a:schemeClr val="accent1"/>
+          </a:fillRef>
+          <a:effectRef idx="0">
+            <a:schemeClr val="accent1"/>
+          </a:effectRef>
+          <a:fontRef idx="minor">
+            <a:schemeClr val="tx1"/>
+          </a:fontRef>
+        </p:style>
+      </p:cxnSp>
+      <p:cxnSp>
+        <p:nvCxnSpPr>
+          <p:cNvPr id="60" name="Straight Arrow Connector 59"/>
+          <p:cNvCxnSpPr/>
+          <p:nvPr/>
+        </p:nvCxnSpPr>
+        <p:spPr>
+          <a:xfrm flipV="1">
+            <a:off x="3400227" y="1771114"/>
+            <a:ext cx="268387" cy="577767"/>
+          </a:xfrm>
+          <a:prstGeom prst="straightConnector1">
+            <a:avLst/>
+          </a:prstGeom>
+          <a:ln>
+            <a:solidFill>
+              <a:schemeClr val="accent3"/>
+            </a:solidFill>
+            <a:tailEnd type="arrow"/>
+          </a:ln>
+        </p:spPr>
+        <p:style>
+          <a:lnRef idx="1">
+            <a:schemeClr val="accent1"/>
+          </a:lnRef>
+          <a:fillRef idx="0">
+            <a:schemeClr val="accent1"/>
+          </a:fillRef>
+          <a:effectRef idx="0">
+            <a:schemeClr val="accent1"/>
+          </a:effectRef>
+          <a:fontRef idx="minor">
+            <a:schemeClr val="tx1"/>
+          </a:fontRef>
+        </p:style>
+      </p:cxnSp>
+      <p:cxnSp>
+        <p:nvCxnSpPr>
+          <p:cNvPr id="61" name="Straight Arrow Connector 60"/>
+          <p:cNvCxnSpPr/>
+          <p:nvPr/>
+        </p:nvCxnSpPr>
+        <p:spPr>
+          <a:xfrm flipV="1">
+            <a:off x="3544243" y="1770652"/>
+            <a:ext cx="216024" cy="442597"/>
+          </a:xfrm>
+          <a:prstGeom prst="straightConnector1">
+            <a:avLst/>
+          </a:prstGeom>
+          <a:ln>
+            <a:solidFill>
+              <a:schemeClr val="accent3"/>
+            </a:solidFill>
+            <a:tailEnd type="arrow"/>
+          </a:ln>
+        </p:spPr>
+        <p:style>
+          <a:lnRef idx="1">
+            <a:schemeClr val="accent1"/>
+          </a:lnRef>
+          <a:fillRef idx="0">
+            <a:schemeClr val="accent1"/>
+          </a:fillRef>
+          <a:effectRef idx="0">
+            <a:schemeClr val="accent1"/>
+          </a:effectRef>
+          <a:fontRef idx="minor">
+            <a:schemeClr val="tx1"/>
+          </a:fontRef>
+        </p:style>
+      </p:cxnSp>
+      <p:cxnSp>
+        <p:nvCxnSpPr>
+          <p:cNvPr id="62" name="Straight Arrow Connector 61"/>
+          <p:cNvCxnSpPr/>
+          <p:nvPr/>
+        </p:nvCxnSpPr>
+        <p:spPr>
+          <a:xfrm flipV="1">
+            <a:off x="3688259" y="1772817"/>
+            <a:ext cx="139824" cy="288031"/>
+          </a:xfrm>
+          <a:prstGeom prst="straightConnector1">
+            <a:avLst/>
+          </a:prstGeom>
+          <a:ln>
+            <a:solidFill>
+              <a:schemeClr val="accent3"/>
+            </a:solidFill>
+            <a:tailEnd type="arrow"/>
+          </a:ln>
+        </p:spPr>
+        <p:style>
+          <a:lnRef idx="1">
+            <a:schemeClr val="accent1"/>
+          </a:lnRef>
+          <a:fillRef idx="0">
+            <a:schemeClr val="accent1"/>
+          </a:fillRef>
+          <a:effectRef idx="0">
+            <a:schemeClr val="accent1"/>
+          </a:effectRef>
+          <a:fontRef idx="minor">
+            <a:schemeClr val="tx1"/>
+          </a:fontRef>
+        </p:style>
+      </p:cxnSp>
+      <p:cxnSp>
+        <p:nvCxnSpPr>
+          <p:cNvPr id="67" name="Straight Connector 66"/>
+          <p:cNvCxnSpPr/>
+          <p:nvPr/>
+        </p:nvCxnSpPr>
+        <p:spPr>
+          <a:xfrm>
+            <a:off x="3923928" y="1446519"/>
+            <a:ext cx="0" cy="1383588"/>
+          </a:xfrm>
+          <a:prstGeom prst="line">
+            <a:avLst/>
+          </a:prstGeom>
+          <a:ln w="9525">
+            <a:prstDash val="lgDashDotDot"/>
+          </a:ln>
+        </p:spPr>
+        <p:style>
+          <a:lnRef idx="1">
+            <a:schemeClr val="accent1"/>
+          </a:lnRef>
+          <a:fillRef idx="0">
+            <a:schemeClr val="accent1"/>
+          </a:fillRef>
+          <a:effectRef idx="0">
+            <a:schemeClr val="accent1"/>
+          </a:effectRef>
+          <a:fontRef idx="minor">
+            <a:schemeClr val="tx1"/>
+          </a:fontRef>
+        </p:style>
+      </p:cxnSp>
+      <p:sp>
+        <p:nvSpPr>
+          <p:cNvPr id="68" name="TextBox 67"/>
+          <p:cNvSpPr txBox="1"/>
+          <p:nvPr/>
+        </p:nvSpPr>
+        <p:spPr>
+          <a:xfrm>
+            <a:off x="3466204" y="1461901"/>
+            <a:ext cx="256802" cy="261610"/>
+          </a:xfrm>
+          <a:prstGeom prst="rect">
+            <a:avLst/>
+          </a:prstGeom>
+          <a:noFill/>
+        </p:spPr>
+        <p:txBody>
+          <a:bodyPr wrap="none" rtlCol="0">
+            <a:spAutoFit/>
+          </a:bodyPr>
+          <a:lstStyle/>
+          <a:p>
+            <a:r>
+              <a:rPr lang="en-US" sz="1050" dirty="0" smtClean="0"/>
+              <a:t>4</a:t>
+            </a:r>
+            <a:endParaRPr lang="en-US" sz="1050" dirty="0"/>
+          </a:p>
+        </p:txBody>
+      </p:sp>
+      <p:grpSp>
+        <p:nvGrpSpPr>
+          <p:cNvPr id="71" name="Group 70"/>
+          <p:cNvGrpSpPr/>
+          <p:nvPr/>
+        </p:nvGrpSpPr>
+        <p:grpSpPr>
+          <a:xfrm>
+            <a:off x="4067944" y="1771114"/>
+            <a:ext cx="457200" cy="720081"/>
+            <a:chOff x="1115616" y="1772815"/>
+            <a:chExt cx="457200" cy="720081"/>
+          </a:xfrm>
+        </p:grpSpPr>
+        <p:cxnSp>
+          <p:nvCxnSpPr>
+            <p:cNvPr id="72" name="Straight Arrow Connector 71"/>
+            <p:cNvCxnSpPr/>
+            <p:nvPr/>
+          </p:nvCxnSpPr>
+          <p:spPr>
+            <a:xfrm>
+              <a:off x="1115616" y="1772815"/>
+              <a:ext cx="457200" cy="288033"/>
+            </a:xfrm>
+            <a:prstGeom prst="straightConnector1">
+              <a:avLst/>
+            </a:prstGeom>
+            <a:ln>
+              <a:solidFill>
+                <a:schemeClr val="tx2"/>
+              </a:solidFill>
+              <a:tailEnd type="arrow"/>
+            </a:ln>
+          </p:spPr>
+          <p:style>
+            <a:lnRef idx="1">
+              <a:schemeClr val="accent1"/>
+            </a:lnRef>
+            <a:fillRef idx="0">
+              <a:schemeClr val="accent1"/>
+            </a:fillRef>
+            <a:effectRef idx="0">
+              <a:schemeClr val="accent1"/>
+            </a:effectRef>
+            <a:fontRef idx="minor">
+              <a:schemeClr val="tx1"/>
+            </a:fontRef>
+          </p:style>
+        </p:cxnSp>
+        <p:cxnSp>
+          <p:nvCxnSpPr>
+            <p:cNvPr id="73" name="Straight Arrow Connector 72"/>
+            <p:cNvCxnSpPr/>
+            <p:nvPr/>
+          </p:nvCxnSpPr>
+          <p:spPr>
+            <a:xfrm>
+              <a:off x="1115616" y="1772816"/>
+              <a:ext cx="457200" cy="440432"/>
+            </a:xfrm>
+            <a:prstGeom prst="straightConnector1">
+              <a:avLst/>
+            </a:prstGeom>
+            <a:ln>
+              <a:solidFill>
+                <a:schemeClr val="tx2"/>
+              </a:solidFill>
+              <a:tailEnd type="arrow"/>
+            </a:ln>
+          </p:spPr>
+          <p:style>
+            <a:lnRef idx="1">
+              <a:schemeClr val="accent1"/>
+            </a:lnRef>
+            <a:fillRef idx="0">
+              <a:schemeClr val="accent1"/>
+            </a:fillRef>
+            <a:effectRef idx="0">
+              <a:schemeClr val="accent1"/>
+            </a:effectRef>
+            <a:fontRef idx="minor">
+              <a:schemeClr val="tx1"/>
+            </a:fontRef>
+          </p:style>
+        </p:cxnSp>
+        <p:cxnSp>
+          <p:nvCxnSpPr>
+            <p:cNvPr id="74" name="Straight Arrow Connector 73"/>
+            <p:cNvCxnSpPr/>
+            <p:nvPr/>
+          </p:nvCxnSpPr>
+          <p:spPr>
+            <a:xfrm>
+              <a:off x="1115616" y="1772816"/>
+              <a:ext cx="457200" cy="576064"/>
+            </a:xfrm>
+            <a:prstGeom prst="straightConnector1">
+              <a:avLst/>
+            </a:prstGeom>
+            <a:ln>
+              <a:solidFill>
+                <a:schemeClr val="tx2"/>
+              </a:solidFill>
+              <a:tailEnd type="arrow"/>
+            </a:ln>
+          </p:spPr>
+          <p:style>
+            <a:lnRef idx="1">
+              <a:schemeClr val="accent1"/>
+            </a:lnRef>
+            <a:fillRef idx="0">
+              <a:schemeClr val="accent1"/>
+            </a:fillRef>
+            <a:effectRef idx="0">
+              <a:schemeClr val="accent1"/>
+            </a:effectRef>
+            <a:fontRef idx="minor">
+              <a:schemeClr val="tx1"/>
+            </a:fontRef>
+          </p:style>
+        </p:cxnSp>
+        <p:cxnSp>
+          <p:nvCxnSpPr>
+            <p:cNvPr id="75" name="Straight Arrow Connector 74"/>
+            <p:cNvCxnSpPr/>
+            <p:nvPr/>
+          </p:nvCxnSpPr>
+          <p:spPr>
+            <a:xfrm>
+              <a:off x="1115616" y="1772816"/>
+              <a:ext cx="457200" cy="720080"/>
+            </a:xfrm>
+            <a:prstGeom prst="straightConnector1">
+              <a:avLst/>
+            </a:prstGeom>
+            <a:ln>
+              <a:solidFill>
+                <a:schemeClr val="tx2"/>
+              </a:solidFill>
+              <a:tailEnd type="arrow"/>
+            </a:ln>
+          </p:spPr>
+          <p:style>
+            <a:lnRef idx="1">
+              <a:schemeClr val="accent1"/>
+            </a:lnRef>
+            <a:fillRef idx="0">
+              <a:schemeClr val="accent1"/>
+            </a:fillRef>
+            <a:effectRef idx="0">
+              <a:schemeClr val="accent1"/>
+            </a:effectRef>
+            <a:fontRef idx="minor">
+              <a:schemeClr val="tx1"/>
+            </a:fontRef>
+          </p:style>
+        </p:cxnSp>
+      </p:grpSp>
+      <p:sp>
+        <p:nvSpPr>
+          <p:cNvPr id="79" name="TextBox 78"/>
+          <p:cNvSpPr txBox="1"/>
+          <p:nvPr/>
+        </p:nvSpPr>
+        <p:spPr>
+          <a:xfrm>
+            <a:off x="4139952" y="1472375"/>
+            <a:ext cx="256802" cy="261610"/>
+          </a:xfrm>
+          <a:prstGeom prst="rect">
+            <a:avLst/>
+          </a:prstGeom>
+          <a:noFill/>
+        </p:spPr>
+        <p:txBody>
+          <a:bodyPr wrap="none" rtlCol="0">
+            <a:spAutoFit/>
+          </a:bodyPr>
+          <a:lstStyle/>
+          <a:p>
+            <a:r>
+              <a:rPr lang="en-US" sz="1050" dirty="0" smtClean="0"/>
+              <a:t>5</a:t>
+            </a:r>
+            <a:endParaRPr lang="en-US" sz="1050" dirty="0"/>
+          </a:p>
+        </p:txBody>
+      </p:sp>
+      <p:sp>
+        <p:nvSpPr>
+          <p:cNvPr id="92" name="TextBox 91"/>
+          <p:cNvSpPr txBox="1"/>
+          <p:nvPr/>
+        </p:nvSpPr>
+        <p:spPr>
+          <a:xfrm>
+            <a:off x="3997423" y="2534559"/>
+            <a:ext cx="598241" cy="246221"/>
+          </a:xfrm>
+          <a:prstGeom prst="rect">
+            <a:avLst/>
+          </a:prstGeom>
+          <a:noFill/>
+        </p:spPr>
+        <p:txBody>
+          <a:bodyPr wrap="none" rtlCol="0">
+            <a:spAutoFit/>
+          </a:bodyPr>
+          <a:lstStyle/>
+          <a:p>
+            <a:r>
+              <a:rPr lang="en-US" sz="1000" dirty="0" smtClean="0"/>
+              <a:t>Commit</a:t>
+            </a:r>
+            <a:endParaRPr lang="en-US" sz="1000" dirty="0"/>
+          </a:p>
+        </p:txBody>
+      </p:sp>
+      <p:sp>
+        <p:nvSpPr>
+          <p:cNvPr id="93" name="TextBox 92"/>
+          <p:cNvSpPr txBox="1"/>
+          <p:nvPr/>
+        </p:nvSpPr>
+        <p:spPr>
+          <a:xfrm>
+            <a:off x="3409298" y="2524707"/>
+            <a:ext cx="370614" cy="246221"/>
+          </a:xfrm>
+          <a:prstGeom prst="rect">
+            <a:avLst/>
+          </a:prstGeom>
+          <a:noFill/>
+        </p:spPr>
+        <p:txBody>
+          <a:bodyPr wrap="none" rtlCol="0">
+            <a:spAutoFit/>
+          </a:bodyPr>
+          <a:lstStyle/>
+          <a:p>
+            <a:r>
+              <a:rPr lang="en-US" sz="1000" dirty="0" smtClean="0"/>
+              <a:t>Ack</a:t>
+            </a:r>
+            <a:endParaRPr lang="en-US" sz="1000" dirty="0"/>
+          </a:p>
+        </p:txBody>
+      </p:sp>
+      <p:sp>
+        <p:nvSpPr>
+          <p:cNvPr id="94" name="TextBox 93"/>
+          <p:cNvSpPr txBox="1"/>
+          <p:nvPr/>
+        </p:nvSpPr>
+        <p:spPr>
+          <a:xfrm>
+            <a:off x="2507570" y="2491195"/>
+            <a:ext cx="697627" cy="400110"/>
+          </a:xfrm>
+          <a:prstGeom prst="rect">
+            <a:avLst/>
+          </a:prstGeom>
+          <a:noFill/>
+        </p:spPr>
+        <p:txBody>
+          <a:bodyPr wrap="none" rtlCol="0">
+            <a:spAutoFit/>
+          </a:bodyPr>
+          <a:lstStyle/>
+          <a:p>
+            <a:pPr algn="ctr"/>
+            <a:r>
+              <a:rPr lang="en-US" sz="1000" dirty="0" smtClean="0"/>
+              <a:t>Propose</a:t>
+            </a:r>
+            <a:br>
+              <a:rPr lang="en-US" sz="1000" dirty="0" smtClean="0"/>
+            </a:br>
+            <a:r>
+              <a:rPr lang="en-US" sz="1000" dirty="0" smtClean="0"/>
+              <a:t>new state</a:t>
+            </a:r>
+            <a:endParaRPr lang="en-US" sz="1000" dirty="0"/>
+          </a:p>
+        </p:txBody>
+      </p:sp>
+      <p:sp>
+        <p:nvSpPr>
+          <p:cNvPr id="95" name="TextBox 94"/>
+          <p:cNvSpPr txBox="1"/>
+          <p:nvPr/>
+        </p:nvSpPr>
+        <p:spPr>
+          <a:xfrm>
+            <a:off x="891578" y="2491195"/>
+            <a:ext cx="713657" cy="400110"/>
+          </a:xfrm>
+          <a:prstGeom prst="rect">
+            <a:avLst/>
+          </a:prstGeom>
+          <a:noFill/>
+        </p:spPr>
+        <p:txBody>
+          <a:bodyPr wrap="none" rtlCol="0">
+            <a:spAutoFit/>
+          </a:bodyPr>
+          <a:lstStyle/>
+          <a:p>
+            <a:pPr algn="ctr"/>
+            <a:r>
+              <a:rPr lang="en-US" sz="1000" dirty="0" smtClean="0"/>
+              <a:t>Announce</a:t>
+            </a:r>
+            <a:br>
+              <a:rPr lang="en-US" sz="1000" dirty="0" smtClean="0"/>
+            </a:br>
+            <a:r>
+              <a:rPr lang="en-US" sz="1000" dirty="0" smtClean="0"/>
+              <a:t>leader</a:t>
+            </a:r>
+            <a:endParaRPr lang="en-US" sz="1000" dirty="0"/>
+          </a:p>
+        </p:txBody>
+      </p:sp>
+      <p:sp>
+        <p:nvSpPr>
+          <p:cNvPr id="97" name="TextBox 96"/>
+          <p:cNvSpPr txBox="1"/>
+          <p:nvPr/>
+        </p:nvSpPr>
+        <p:spPr>
+          <a:xfrm>
+            <a:off x="1879128" y="2523860"/>
+            <a:ext cx="370614" cy="246221"/>
+          </a:xfrm>
+          <a:prstGeom prst="rect">
+            <a:avLst/>
+          </a:prstGeom>
+          <a:noFill/>
+        </p:spPr>
+        <p:txBody>
+          <a:bodyPr wrap="none" rtlCol="0">
+            <a:spAutoFit/>
+          </a:bodyPr>
+          <a:lstStyle/>
+          <a:p>
+            <a:r>
+              <a:rPr lang="en-US" sz="1000" dirty="0" smtClean="0"/>
+              <a:t>Ack</a:t>
+            </a:r>
+            <a:endParaRPr lang="en-US" sz="1000" dirty="0"/>
+          </a:p>
+        </p:txBody>
+      </p:sp>
+      <p:cxnSp>
+        <p:nvCxnSpPr>
+          <p:cNvPr id="98" name="Straight Connector 97"/>
+          <p:cNvCxnSpPr/>
+          <p:nvPr/>
+        </p:nvCxnSpPr>
+        <p:spPr>
+          <a:xfrm flipV="1">
+            <a:off x="4431852" y="5013795"/>
+            <a:ext cx="3816424" cy="1084"/>
+          </a:xfrm>
+          <a:prstGeom prst="line">
+            <a:avLst/>
+          </a:prstGeom>
+          <a:ln w="15875"/>
+        </p:spPr>
+        <p:style>
+          <a:lnRef idx="1">
+            <a:schemeClr val="accent1"/>
+          </a:lnRef>
+          <a:fillRef idx="0">
+            <a:schemeClr val="accent1"/>
+          </a:fillRef>
+          <a:effectRef idx="0">
+            <a:schemeClr val="accent1"/>
+          </a:effectRef>
+          <a:fontRef idx="minor">
+            <a:schemeClr val="tx1"/>
+          </a:fontRef>
+        </p:style>
+      </p:cxnSp>
+      <p:cxnSp>
+        <p:nvCxnSpPr>
+          <p:cNvPr id="99" name="Straight Connector 98"/>
+          <p:cNvCxnSpPr/>
+          <p:nvPr/>
+        </p:nvCxnSpPr>
+        <p:spPr>
+          <a:xfrm>
+            <a:off x="4431852" y="5302910"/>
+            <a:ext cx="3816424" cy="0"/>
+          </a:xfrm>
+          <a:prstGeom prst="line">
+            <a:avLst/>
+          </a:prstGeom>
+          <a:ln w="15875">
+            <a:solidFill>
+              <a:srgbClr val="00B0F0"/>
+            </a:solidFill>
+          </a:ln>
+        </p:spPr>
+        <p:style>
+          <a:lnRef idx="1">
+            <a:schemeClr val="accent1"/>
+          </a:lnRef>
+          <a:fillRef idx="0">
+            <a:schemeClr val="accent1"/>
+          </a:fillRef>
+          <a:effectRef idx="0">
+            <a:schemeClr val="accent1"/>
+          </a:effectRef>
+          <a:fontRef idx="minor">
+            <a:schemeClr val="tx1"/>
+          </a:fontRef>
+        </p:style>
+      </p:cxnSp>
+      <p:cxnSp>
+        <p:nvCxnSpPr>
+          <p:cNvPr id="100" name="Straight Connector 99"/>
+          <p:cNvCxnSpPr/>
+          <p:nvPr/>
+        </p:nvCxnSpPr>
+        <p:spPr>
+          <a:xfrm>
+            <a:off x="4431852" y="5446925"/>
+            <a:ext cx="3816424" cy="0"/>
+          </a:xfrm>
+          <a:prstGeom prst="line">
+            <a:avLst/>
+          </a:prstGeom>
+          <a:ln w="15875">
+            <a:solidFill>
+              <a:srgbClr val="00B0F0"/>
+            </a:solidFill>
+          </a:ln>
+        </p:spPr>
+        <p:style>
+          <a:lnRef idx="1">
+            <a:schemeClr val="accent1"/>
+          </a:lnRef>
+          <a:fillRef idx="0">
+            <a:schemeClr val="accent1"/>
+          </a:fillRef>
+          <a:effectRef idx="0">
+            <a:schemeClr val="accent1"/>
+          </a:effectRef>
+          <a:fontRef idx="minor">
+            <a:schemeClr val="tx1"/>
+          </a:fontRef>
+        </p:style>
+      </p:cxnSp>
+      <p:cxnSp>
+        <p:nvCxnSpPr>
+          <p:cNvPr id="101" name="Straight Connector 100"/>
+          <p:cNvCxnSpPr/>
+          <p:nvPr/>
+        </p:nvCxnSpPr>
+        <p:spPr>
+          <a:xfrm flipV="1">
+            <a:off x="4431852" y="5589240"/>
+            <a:ext cx="3816424" cy="1701"/>
+          </a:xfrm>
+          <a:prstGeom prst="line">
+            <a:avLst/>
+          </a:prstGeom>
+          <a:ln w="15875">
+            <a:solidFill>
+              <a:srgbClr val="00B0F0"/>
+            </a:solidFill>
+          </a:ln>
+        </p:spPr>
+        <p:style>
+          <a:lnRef idx="1">
+            <a:schemeClr val="accent1"/>
+          </a:lnRef>
+          <a:fillRef idx="0">
+            <a:schemeClr val="accent1"/>
+          </a:fillRef>
+          <a:effectRef idx="0">
+            <a:schemeClr val="accent1"/>
+          </a:effectRef>
+          <a:fontRef idx="minor">
+            <a:schemeClr val="tx1"/>
+          </a:fontRef>
+        </p:style>
+      </p:cxnSp>
+      <p:cxnSp>
+        <p:nvCxnSpPr>
+          <p:cNvPr id="102" name="Straight Connector 101"/>
+          <p:cNvCxnSpPr/>
+          <p:nvPr/>
+        </p:nvCxnSpPr>
+        <p:spPr>
+          <a:xfrm flipV="1">
+            <a:off x="4431852" y="5733256"/>
+            <a:ext cx="3816424" cy="1701"/>
+          </a:xfrm>
+          <a:prstGeom prst="line">
+            <a:avLst/>
+          </a:prstGeom>
+          <a:ln w="15875">
+            <a:solidFill>
+              <a:schemeClr val="accent2"/>
+            </a:solidFill>
+            <a:prstDash val="solid"/>
+          </a:ln>
+        </p:spPr>
+        <p:style>
+          <a:lnRef idx="1">
+            <a:schemeClr val="accent1"/>
+          </a:lnRef>
+          <a:fillRef idx="0">
+            <a:schemeClr val="accent1"/>
+          </a:fillRef>
+          <a:effectRef idx="0">
+            <a:schemeClr val="accent1"/>
+          </a:effectRef>
+          <a:fontRef idx="minor">
+            <a:schemeClr val="tx1"/>
+          </a:fontRef>
+        </p:style>
+      </p:cxnSp>
+      <p:sp>
+        <p:nvSpPr>
+          <p:cNvPr id="103" name="TextBox 102"/>
+          <p:cNvSpPr txBox="1"/>
+          <p:nvPr/>
+        </p:nvSpPr>
+        <p:spPr>
+          <a:xfrm>
+            <a:off x="8245225" y="4874213"/>
+            <a:ext cx="609462" cy="276999"/>
+          </a:xfrm>
+          <a:prstGeom prst="rect">
+            <a:avLst/>
+          </a:prstGeom>
+          <a:noFill/>
+        </p:spPr>
+        <p:txBody>
+          <a:bodyPr wrap="none" rtlCol="0">
+            <a:spAutoFit/>
+          </a:bodyPr>
+          <a:lstStyle/>
+          <a:p>
+            <a:r>
+              <a:rPr lang="en-US" sz="1200" dirty="0" smtClean="0"/>
+              <a:t>Leader</a:t>
+            </a:r>
+            <a:endParaRPr lang="en-US" sz="1200" dirty="0"/>
+          </a:p>
+        </p:txBody>
+      </p:sp>
+      <p:grpSp>
+        <p:nvGrpSpPr>
+          <p:cNvPr id="104" name="Group 103"/>
+          <p:cNvGrpSpPr/>
+          <p:nvPr/>
+        </p:nvGrpSpPr>
+        <p:grpSpPr>
+          <a:xfrm>
+            <a:off x="4719884" y="5014876"/>
+            <a:ext cx="457200" cy="720081"/>
+            <a:chOff x="1115616" y="1772815"/>
+            <a:chExt cx="457200" cy="720081"/>
+          </a:xfrm>
+        </p:grpSpPr>
+        <p:cxnSp>
+          <p:nvCxnSpPr>
+            <p:cNvPr id="105" name="Straight Arrow Connector 104"/>
+            <p:cNvCxnSpPr/>
+            <p:nvPr/>
+          </p:nvCxnSpPr>
+          <p:spPr>
+            <a:xfrm>
+              <a:off x="1115616" y="1772815"/>
+              <a:ext cx="457200" cy="288033"/>
+            </a:xfrm>
+            <a:prstGeom prst="straightConnector1">
+              <a:avLst/>
+            </a:prstGeom>
+            <a:ln>
+              <a:solidFill>
+                <a:schemeClr val="accent6"/>
+              </a:solidFill>
+              <a:tailEnd type="arrow"/>
+            </a:ln>
+          </p:spPr>
+          <p:style>
+            <a:lnRef idx="1">
+              <a:schemeClr val="accent1"/>
+            </a:lnRef>
+            <a:fillRef idx="0">
+              <a:schemeClr val="accent1"/>
+            </a:fillRef>
+            <a:effectRef idx="0">
+              <a:schemeClr val="accent1"/>
+            </a:effectRef>
+            <a:fontRef idx="minor">
+              <a:schemeClr val="tx1"/>
+            </a:fontRef>
+          </p:style>
+        </p:cxnSp>
+        <p:cxnSp>
+          <p:nvCxnSpPr>
+            <p:cNvPr id="106" name="Straight Arrow Connector 105"/>
+            <p:cNvCxnSpPr/>
+            <p:nvPr/>
+          </p:nvCxnSpPr>
+          <p:spPr>
+            <a:xfrm>
+              <a:off x="1115616" y="1772816"/>
+              <a:ext cx="457200" cy="440432"/>
+            </a:xfrm>
+            <a:prstGeom prst="straightConnector1">
+              <a:avLst/>
+            </a:prstGeom>
+            <a:ln>
+              <a:solidFill>
+                <a:schemeClr val="accent6"/>
+              </a:solidFill>
+              <a:tailEnd type="arrow"/>
+            </a:ln>
+          </p:spPr>
+          <p:style>
+            <a:lnRef idx="1">
+              <a:schemeClr val="accent1"/>
+            </a:lnRef>
+            <a:fillRef idx="0">
+              <a:schemeClr val="accent1"/>
+            </a:fillRef>
+            <a:effectRef idx="0">
+              <a:schemeClr val="accent1"/>
+            </a:effectRef>
+            <a:fontRef idx="minor">
+              <a:schemeClr val="tx1"/>
+            </a:fontRef>
+          </p:style>
+        </p:cxnSp>
+        <p:cxnSp>
+          <p:nvCxnSpPr>
+            <p:cNvPr id="107" name="Straight Arrow Connector 106"/>
+            <p:cNvCxnSpPr/>
+            <p:nvPr/>
+          </p:nvCxnSpPr>
+          <p:spPr>
+            <a:xfrm>
+              <a:off x="1115616" y="1772816"/>
+              <a:ext cx="457200" cy="576064"/>
+            </a:xfrm>
+            <a:prstGeom prst="straightConnector1">
+              <a:avLst/>
+            </a:prstGeom>
+            <a:ln>
+              <a:solidFill>
+                <a:schemeClr val="accent6"/>
+              </a:solidFill>
+              <a:tailEnd type="arrow"/>
+            </a:ln>
+          </p:spPr>
+          <p:style>
+            <a:lnRef idx="1">
+              <a:schemeClr val="accent1"/>
+            </a:lnRef>
+            <a:fillRef idx="0">
+              <a:schemeClr val="accent1"/>
+            </a:fillRef>
+            <a:effectRef idx="0">
+              <a:schemeClr val="accent1"/>
+            </a:effectRef>
+            <a:fontRef idx="minor">
+              <a:schemeClr val="tx1"/>
+            </a:fontRef>
+          </p:style>
+        </p:cxnSp>
+        <p:cxnSp>
+          <p:nvCxnSpPr>
+            <p:cNvPr id="108" name="Straight Arrow Connector 107"/>
+            <p:cNvCxnSpPr/>
+            <p:nvPr/>
+          </p:nvCxnSpPr>
+          <p:spPr>
+            <a:xfrm>
+              <a:off x="1115616" y="1772816"/>
+              <a:ext cx="457200" cy="720080"/>
+            </a:xfrm>
+            <a:prstGeom prst="straightConnector1">
+              <a:avLst/>
+            </a:prstGeom>
+            <a:ln>
+              <a:solidFill>
+                <a:schemeClr val="accent6"/>
+              </a:solidFill>
+              <a:tailEnd type="arrow"/>
+            </a:ln>
+          </p:spPr>
+          <p:style>
+            <a:lnRef idx="1">
+              <a:schemeClr val="accent1"/>
+            </a:lnRef>
+            <a:fillRef idx="0">
+              <a:schemeClr val="accent1"/>
+            </a:fillRef>
+            <a:effectRef idx="0">
+              <a:schemeClr val="accent1"/>
+            </a:effectRef>
+            <a:fontRef idx="minor">
+              <a:schemeClr val="tx1"/>
+            </a:fontRef>
+          </p:style>
+        </p:cxnSp>
+      </p:grpSp>
+      <p:cxnSp>
+        <p:nvCxnSpPr>
+          <p:cNvPr id="109" name="Straight Arrow Connector 108"/>
+          <p:cNvCxnSpPr/>
+          <p:nvPr/>
+        </p:nvCxnSpPr>
+        <p:spPr>
+          <a:xfrm flipV="1">
+            <a:off x="5511972" y="5014878"/>
+            <a:ext cx="256220" cy="576064"/>
+          </a:xfrm>
+          <a:prstGeom prst="straightConnector1">
+            <a:avLst/>
+          </a:prstGeom>
+          <a:ln>
+            <a:solidFill>
+              <a:schemeClr val="accent3"/>
+            </a:solidFill>
+            <a:tailEnd type="arrow"/>
+          </a:ln>
+        </p:spPr>
+        <p:style>
+          <a:lnRef idx="1">
+            <a:schemeClr val="accent1"/>
+          </a:lnRef>
+          <a:fillRef idx="0">
+            <a:schemeClr val="accent1"/>
+          </a:fillRef>
+          <a:effectRef idx="0">
+            <a:schemeClr val="accent1"/>
+          </a:effectRef>
+          <a:fontRef idx="minor">
+            <a:schemeClr val="tx1"/>
+          </a:fontRef>
+        </p:style>
+      </p:cxnSp>
+      <p:cxnSp>
+        <p:nvCxnSpPr>
+          <p:cNvPr id="110" name="Straight Arrow Connector 109"/>
+          <p:cNvCxnSpPr/>
+          <p:nvPr/>
+        </p:nvCxnSpPr>
+        <p:spPr>
+          <a:xfrm flipV="1">
+            <a:off x="5655988" y="5013795"/>
+            <a:ext cx="198022" cy="441515"/>
+          </a:xfrm>
+          <a:prstGeom prst="straightConnector1">
+            <a:avLst/>
+          </a:prstGeom>
+          <a:ln>
+            <a:solidFill>
+              <a:schemeClr val="accent3"/>
+            </a:solidFill>
+            <a:tailEnd type="arrow"/>
+          </a:ln>
+        </p:spPr>
+        <p:style>
+          <a:lnRef idx="1">
+            <a:schemeClr val="accent1"/>
+          </a:lnRef>
+          <a:fillRef idx="0">
+            <a:schemeClr val="accent1"/>
+          </a:fillRef>
+          <a:effectRef idx="0">
+            <a:schemeClr val="accent1"/>
+          </a:effectRef>
+          <a:fontRef idx="minor">
+            <a:schemeClr val="tx1"/>
+          </a:fontRef>
+        </p:style>
+      </p:cxnSp>
+      <p:cxnSp>
+        <p:nvCxnSpPr>
+          <p:cNvPr id="111" name="Straight Arrow Connector 110"/>
+          <p:cNvCxnSpPr/>
+          <p:nvPr/>
+        </p:nvCxnSpPr>
+        <p:spPr>
+          <a:xfrm flipV="1">
+            <a:off x="5800004" y="5014878"/>
+            <a:ext cx="139824" cy="288031"/>
+          </a:xfrm>
+          <a:prstGeom prst="straightConnector1">
+            <a:avLst/>
+          </a:prstGeom>
+          <a:ln>
+            <a:solidFill>
+              <a:schemeClr val="accent3"/>
+            </a:solidFill>
+            <a:tailEnd type="arrow"/>
+          </a:ln>
+        </p:spPr>
+        <p:style>
+          <a:lnRef idx="1">
+            <a:schemeClr val="accent1"/>
+          </a:lnRef>
+          <a:fillRef idx="0">
+            <a:schemeClr val="accent1"/>
+          </a:fillRef>
+          <a:effectRef idx="0">
+            <a:schemeClr val="accent1"/>
+          </a:effectRef>
+          <a:fontRef idx="minor">
+            <a:schemeClr val="tx1"/>
+          </a:fontRef>
+        </p:style>
+      </p:cxnSp>
+      <p:grpSp>
+        <p:nvGrpSpPr>
+          <p:cNvPr id="112" name="Group 111"/>
+          <p:cNvGrpSpPr/>
+          <p:nvPr/>
+        </p:nvGrpSpPr>
+        <p:grpSpPr>
+          <a:xfrm>
+            <a:off x="6232052" y="5014877"/>
+            <a:ext cx="457200" cy="720081"/>
+            <a:chOff x="1115616" y="1772815"/>
+            <a:chExt cx="457200" cy="720081"/>
+          </a:xfrm>
+        </p:grpSpPr>
+        <p:cxnSp>
+          <p:nvCxnSpPr>
+            <p:cNvPr id="113" name="Straight Arrow Connector 112"/>
+            <p:cNvCxnSpPr/>
+            <p:nvPr/>
+          </p:nvCxnSpPr>
+          <p:spPr>
+            <a:xfrm>
+              <a:off x="1115616" y="1772815"/>
+              <a:ext cx="457200" cy="288033"/>
+            </a:xfrm>
+            <a:prstGeom prst="straightConnector1">
+              <a:avLst/>
+            </a:prstGeom>
+            <a:ln>
+              <a:tailEnd type="arrow"/>
+            </a:ln>
+          </p:spPr>
+          <p:style>
+            <a:lnRef idx="1">
+              <a:schemeClr val="accent1"/>
+            </a:lnRef>
+            <a:fillRef idx="0">
+              <a:schemeClr val="accent1"/>
+            </a:fillRef>
+            <a:effectRef idx="0">
+              <a:schemeClr val="accent1"/>
+            </a:effectRef>
+            <a:fontRef idx="minor">
+              <a:schemeClr val="tx1"/>
+            </a:fontRef>
+          </p:style>
+        </p:cxnSp>
+        <p:cxnSp>
+          <p:nvCxnSpPr>
+            <p:cNvPr id="114" name="Straight Arrow Connector 113"/>
+            <p:cNvCxnSpPr/>
+            <p:nvPr/>
+          </p:nvCxnSpPr>
+          <p:spPr>
+            <a:xfrm>
+              <a:off x="1115616" y="1772816"/>
+              <a:ext cx="457200" cy="440432"/>
+            </a:xfrm>
+            <a:prstGeom prst="straightConnector1">
+              <a:avLst/>
+            </a:prstGeom>
+            <a:ln>
+              <a:tailEnd type="arrow"/>
+            </a:ln>
+          </p:spPr>
+          <p:style>
+            <a:lnRef idx="1">
+              <a:schemeClr val="accent1"/>
+            </a:lnRef>
+            <a:fillRef idx="0">
+              <a:schemeClr val="accent1"/>
+            </a:fillRef>
+            <a:effectRef idx="0">
+              <a:schemeClr val="accent1"/>
+            </a:effectRef>
+            <a:fontRef idx="minor">
+              <a:schemeClr val="tx1"/>
+            </a:fontRef>
+          </p:style>
+        </p:cxnSp>
+        <p:cxnSp>
+          <p:nvCxnSpPr>
+            <p:cNvPr id="115" name="Straight Arrow Connector 114"/>
+            <p:cNvCxnSpPr/>
+            <p:nvPr/>
+          </p:nvCxnSpPr>
+          <p:spPr>
+            <a:xfrm>
+              <a:off x="1115616" y="1772816"/>
+              <a:ext cx="457200" cy="576064"/>
+            </a:xfrm>
+            <a:prstGeom prst="straightConnector1">
+              <a:avLst/>
+            </a:prstGeom>
+            <a:ln>
+              <a:tailEnd type="arrow"/>
+            </a:ln>
+          </p:spPr>
+          <p:style>
+            <a:lnRef idx="1">
+              <a:schemeClr val="accent1"/>
+            </a:lnRef>
+            <a:fillRef idx="0">
+              <a:schemeClr val="accent1"/>
+            </a:fillRef>
+            <a:effectRef idx="0">
+              <a:schemeClr val="accent1"/>
+            </a:effectRef>
+            <a:fontRef idx="minor">
+              <a:schemeClr val="tx1"/>
+            </a:fontRef>
+          </p:style>
+        </p:cxnSp>
+        <p:cxnSp>
+          <p:nvCxnSpPr>
+            <p:cNvPr id="116" name="Straight Arrow Connector 115"/>
+            <p:cNvCxnSpPr/>
+            <p:nvPr/>
+          </p:nvCxnSpPr>
+          <p:spPr>
+            <a:xfrm>
+              <a:off x="1115616" y="1772816"/>
+              <a:ext cx="457200" cy="720080"/>
+            </a:xfrm>
+            <a:prstGeom prst="straightConnector1">
+              <a:avLst/>
+            </a:prstGeom>
+            <a:ln>
+              <a:tailEnd type="arrow"/>
+            </a:ln>
+          </p:spPr>
+          <p:style>
+            <a:lnRef idx="1">
+              <a:schemeClr val="accent1"/>
+            </a:lnRef>
+            <a:fillRef idx="0">
+              <a:schemeClr val="accent1"/>
+            </a:fillRef>
+            <a:effectRef idx="0">
+              <a:schemeClr val="accent1"/>
+            </a:effectRef>
+            <a:fontRef idx="minor">
+              <a:schemeClr val="tx1"/>
+            </a:fontRef>
+          </p:style>
+        </p:cxnSp>
+      </p:grpSp>
+      <p:cxnSp>
+        <p:nvCxnSpPr>
+          <p:cNvPr id="117" name="Straight Connector 116"/>
+          <p:cNvCxnSpPr/>
+          <p:nvPr/>
+        </p:nvCxnSpPr>
+        <p:spPr>
+          <a:xfrm>
+            <a:off x="6088036" y="4651720"/>
+            <a:ext cx="0" cy="1383588"/>
+          </a:xfrm>
+          <a:prstGeom prst="line">
+            <a:avLst/>
+          </a:prstGeom>
+          <a:ln w="9525">
+            <a:prstDash val="lgDashDotDot"/>
+          </a:ln>
+        </p:spPr>
+        <p:style>
+          <a:lnRef idx="1">
+            <a:schemeClr val="accent1"/>
+          </a:lnRef>
+          <a:fillRef idx="0">
+            <a:schemeClr val="accent1"/>
+          </a:fillRef>
+          <a:effectRef idx="0">
+            <a:schemeClr val="accent1"/>
+          </a:effectRef>
+          <a:fontRef idx="minor">
+            <a:schemeClr val="tx1"/>
+          </a:fontRef>
+        </p:style>
+      </p:cxnSp>
+      <p:sp>
+        <p:nvSpPr>
+          <p:cNvPr id="118" name="TextBox 117"/>
+          <p:cNvSpPr txBox="1"/>
+          <p:nvPr/>
+        </p:nvSpPr>
+        <p:spPr>
+          <a:xfrm>
+            <a:off x="4820083" y="4716600"/>
+            <a:ext cx="256802" cy="261610"/>
+          </a:xfrm>
+          <a:prstGeom prst="rect">
+            <a:avLst/>
+          </a:prstGeom>
+          <a:noFill/>
+        </p:spPr>
+        <p:txBody>
+          <a:bodyPr wrap="none" rtlCol="0">
+            <a:spAutoFit/>
+          </a:bodyPr>
+          <a:lstStyle/>
+          <a:p>
+            <a:r>
+              <a:rPr lang="en-US" sz="1050" dirty="0" smtClean="0"/>
+              <a:t>1</a:t>
+            </a:r>
+            <a:endParaRPr lang="en-US" sz="1050" dirty="0"/>
+          </a:p>
+        </p:txBody>
+      </p:sp>
+      <p:sp>
+        <p:nvSpPr>
+          <p:cNvPr id="119" name="Oval 118"/>
+          <p:cNvSpPr/>
+          <p:nvPr/>
+        </p:nvSpPr>
+        <p:spPr>
+          <a:xfrm>
+            <a:off x="4503860" y="4983937"/>
+            <a:ext cx="89868" cy="57553"/>
+          </a:xfrm>
+          <a:prstGeom prst="ellipse">
+            <a:avLst/>
+          </a:prstGeom>
+        </p:spPr>
+        <p:style>
+          <a:lnRef idx="2">
+            <a:schemeClr val="accent1">
+              <a:shade val="50000"/>
+            </a:schemeClr>
+          </a:lnRef>
+          <a:fillRef idx="1">
+            <a:schemeClr val="accent1"/>
+          </a:fillRef>
+          <a:effectRef idx="0">
+            <a:schemeClr val="accent1"/>
+          </a:effectRef>
+          <a:fontRef idx="minor">
+            <a:schemeClr val="lt1"/>
+          </a:fontRef>
+        </p:style>
+        <p:txBody>
+          <a:bodyPr rtlCol="0" anchor="ctr"/>
+          <a:lstStyle/>
+          <a:p>
+            <a:pPr algn="ctr"/>
+            <a:endParaRPr lang="en-US"/>
+          </a:p>
+        </p:txBody>
+      </p:sp>
+      <p:cxnSp>
+        <p:nvCxnSpPr>
+          <p:cNvPr id="120" name="Straight Arrow Connector 119"/>
+          <p:cNvCxnSpPr>
+            <a:stCxn id="121" idx="2"/>
+            <a:endCxn id="119" idx="0"/>
+          </p:cNvCxnSpPr>
+          <p:nvPr/>
+        </p:nvCxnSpPr>
+        <p:spPr>
+          <a:xfrm>
+            <a:off x="4548794" y="4778155"/>
+            <a:ext cx="0" cy="205782"/>
+          </a:xfrm>
+          <a:prstGeom prst="straightConnector1">
+            <a:avLst/>
+          </a:prstGeom>
+          <a:ln>
+            <a:tailEnd type="arrow"/>
+          </a:ln>
+        </p:spPr>
+        <p:style>
+          <a:lnRef idx="1">
+            <a:schemeClr val="accent1"/>
+          </a:lnRef>
+          <a:fillRef idx="0">
+            <a:schemeClr val="accent1"/>
+          </a:fillRef>
+          <a:effectRef idx="0">
+            <a:schemeClr val="accent1"/>
+          </a:effectRef>
+          <a:fontRef idx="minor">
+            <a:schemeClr val="tx1"/>
+          </a:fontRef>
+        </p:style>
+      </p:cxnSp>
+      <p:sp>
+        <p:nvSpPr>
+          <p:cNvPr id="121" name="TextBox 120"/>
+          <p:cNvSpPr txBox="1"/>
+          <p:nvPr/>
+        </p:nvSpPr>
+        <p:spPr>
+          <a:xfrm>
+            <a:off x="4203988" y="4439601"/>
+            <a:ext cx="689612" cy="338554"/>
+          </a:xfrm>
+          <a:prstGeom prst="rect">
+            <a:avLst/>
+          </a:prstGeom>
+          <a:noFill/>
+        </p:spPr>
+        <p:txBody>
+          <a:bodyPr wrap="none" rtlCol="0">
+            <a:spAutoFit/>
+          </a:bodyPr>
+          <a:lstStyle/>
+          <a:p>
+            <a:pPr algn="ctr"/>
+            <a:r>
+              <a:rPr lang="en-US" sz="800" dirty="0" smtClean="0"/>
+              <a:t>Leader</a:t>
+            </a:r>
+            <a:br>
+              <a:rPr lang="en-US" sz="800" dirty="0" smtClean="0"/>
+            </a:br>
+            <a:r>
+              <a:rPr lang="en-US" sz="800" dirty="0" smtClean="0"/>
+              <a:t>self-appoint</a:t>
+            </a:r>
+            <a:endParaRPr lang="en-US" sz="800" dirty="0"/>
+          </a:p>
+        </p:txBody>
+      </p:sp>
+      <p:cxnSp>
+        <p:nvCxnSpPr>
+          <p:cNvPr id="122" name="Straight Connector 121"/>
+          <p:cNvCxnSpPr/>
+          <p:nvPr/>
+        </p:nvCxnSpPr>
+        <p:spPr>
+          <a:xfrm>
+            <a:off x="5295948" y="4651720"/>
+            <a:ext cx="0" cy="1383588"/>
+          </a:xfrm>
+          <a:prstGeom prst="line">
+            <a:avLst/>
+          </a:prstGeom>
+          <a:ln w="9525">
+            <a:prstDash val="lgDashDotDot"/>
+          </a:ln>
+        </p:spPr>
+        <p:style>
+          <a:lnRef idx="1">
+            <a:schemeClr val="accent1"/>
+          </a:lnRef>
+          <a:fillRef idx="0">
+            <a:schemeClr val="accent1"/>
+          </a:fillRef>
+          <a:effectRef idx="0">
+            <a:schemeClr val="accent1"/>
+          </a:effectRef>
+          <a:fontRef idx="minor">
+            <a:schemeClr val="tx1"/>
+          </a:fontRef>
+        </p:style>
+      </p:cxnSp>
+      <p:sp>
+        <p:nvSpPr>
+          <p:cNvPr id="123" name="TextBox 122"/>
+          <p:cNvSpPr txBox="1"/>
+          <p:nvPr/>
+        </p:nvSpPr>
+        <p:spPr>
+          <a:xfrm>
+            <a:off x="5543202" y="4722327"/>
+            <a:ext cx="256802" cy="261610"/>
+          </a:xfrm>
+          <a:prstGeom prst="rect">
+            <a:avLst/>
+          </a:prstGeom>
+          <a:noFill/>
+        </p:spPr>
+        <p:txBody>
+          <a:bodyPr wrap="none" rtlCol="0">
+            <a:spAutoFit/>
+          </a:bodyPr>
+          <a:lstStyle/>
+          <a:p>
+            <a:r>
+              <a:rPr lang="en-US" sz="1050" dirty="0" smtClean="0"/>
+              <a:t>2</a:t>
+            </a:r>
+            <a:endParaRPr lang="en-US" sz="1050" dirty="0"/>
+          </a:p>
+        </p:txBody>
+      </p:sp>
+      <p:sp>
+        <p:nvSpPr>
+          <p:cNvPr id="124" name="TextBox 123"/>
+          <p:cNvSpPr txBox="1"/>
+          <p:nvPr/>
+        </p:nvSpPr>
+        <p:spPr>
+          <a:xfrm>
+            <a:off x="6304060" y="4716600"/>
+            <a:ext cx="256802" cy="261610"/>
+          </a:xfrm>
+          <a:prstGeom prst="rect">
+            <a:avLst/>
+          </a:prstGeom>
+          <a:noFill/>
+        </p:spPr>
+        <p:txBody>
+          <a:bodyPr wrap="none" rtlCol="0">
+            <a:spAutoFit/>
+          </a:bodyPr>
+          <a:lstStyle/>
+          <a:p>
+            <a:r>
+              <a:rPr lang="en-US" sz="1050" dirty="0" smtClean="0"/>
+              <a:t>3</a:t>
+            </a:r>
+            <a:endParaRPr lang="en-US" sz="1050" dirty="0"/>
+          </a:p>
+        </p:txBody>
+      </p:sp>
+      <p:cxnSp>
+        <p:nvCxnSpPr>
+          <p:cNvPr id="125" name="Straight Connector 124"/>
+          <p:cNvCxnSpPr/>
+          <p:nvPr/>
+        </p:nvCxnSpPr>
+        <p:spPr>
+          <a:xfrm>
+            <a:off x="6808116" y="4661204"/>
+            <a:ext cx="0" cy="1383588"/>
+          </a:xfrm>
+          <a:prstGeom prst="line">
+            <a:avLst/>
+          </a:prstGeom>
+          <a:ln w="9525">
+            <a:prstDash val="lgDashDotDot"/>
+          </a:ln>
+        </p:spPr>
+        <p:style>
+          <a:lnRef idx="1">
+            <a:schemeClr val="accent1"/>
+          </a:lnRef>
+          <a:fillRef idx="0">
+            <a:schemeClr val="accent1"/>
+          </a:fillRef>
+          <a:effectRef idx="0">
+            <a:schemeClr val="accent1"/>
+          </a:effectRef>
+          <a:fontRef idx="minor">
+            <a:schemeClr val="tx1"/>
+          </a:fontRef>
+        </p:style>
+      </p:cxnSp>
+      <p:cxnSp>
+        <p:nvCxnSpPr>
+          <p:cNvPr id="126" name="Straight Arrow Connector 125"/>
+          <p:cNvCxnSpPr/>
+          <p:nvPr/>
+        </p:nvCxnSpPr>
+        <p:spPr>
+          <a:xfrm flipV="1">
+            <a:off x="7004495" y="5013175"/>
+            <a:ext cx="268387" cy="577767"/>
+          </a:xfrm>
+          <a:prstGeom prst="straightConnector1">
+            <a:avLst/>
+          </a:prstGeom>
+          <a:ln>
+            <a:solidFill>
+              <a:schemeClr val="accent3"/>
+            </a:solidFill>
+            <a:tailEnd type="arrow"/>
+          </a:ln>
+        </p:spPr>
+        <p:style>
+          <a:lnRef idx="1">
+            <a:schemeClr val="accent1"/>
+          </a:lnRef>
+          <a:fillRef idx="0">
+            <a:schemeClr val="accent1"/>
+          </a:fillRef>
+          <a:effectRef idx="0">
+            <a:schemeClr val="accent1"/>
+          </a:effectRef>
+          <a:fontRef idx="minor">
+            <a:schemeClr val="tx1"/>
+          </a:fontRef>
+        </p:style>
+      </p:cxnSp>
+      <p:cxnSp>
+        <p:nvCxnSpPr>
+          <p:cNvPr id="127" name="Straight Arrow Connector 126"/>
+          <p:cNvCxnSpPr/>
+          <p:nvPr/>
+        </p:nvCxnSpPr>
+        <p:spPr>
+          <a:xfrm flipV="1">
+            <a:off x="7148511" y="5012713"/>
+            <a:ext cx="216024" cy="442597"/>
+          </a:xfrm>
+          <a:prstGeom prst="straightConnector1">
+            <a:avLst/>
+          </a:prstGeom>
+          <a:ln>
+            <a:solidFill>
+              <a:schemeClr val="accent3"/>
+            </a:solidFill>
+            <a:tailEnd type="arrow"/>
+          </a:ln>
+        </p:spPr>
+        <p:style>
+          <a:lnRef idx="1">
+            <a:schemeClr val="accent1"/>
+          </a:lnRef>
+          <a:fillRef idx="0">
+            <a:schemeClr val="accent1"/>
+          </a:fillRef>
+          <a:effectRef idx="0">
+            <a:schemeClr val="accent1"/>
+          </a:effectRef>
+          <a:fontRef idx="minor">
+            <a:schemeClr val="tx1"/>
+          </a:fontRef>
+        </p:style>
+      </p:cxnSp>
+      <p:cxnSp>
+        <p:nvCxnSpPr>
+          <p:cNvPr id="128" name="Straight Arrow Connector 127"/>
+          <p:cNvCxnSpPr/>
+          <p:nvPr/>
+        </p:nvCxnSpPr>
+        <p:spPr>
+          <a:xfrm flipV="1">
+            <a:off x="7292527" y="5014878"/>
+            <a:ext cx="139824" cy="288031"/>
+          </a:xfrm>
+          <a:prstGeom prst="straightConnector1">
+            <a:avLst/>
+          </a:prstGeom>
+          <a:ln>
+            <a:solidFill>
+              <a:schemeClr val="accent3"/>
+            </a:solidFill>
+            <a:tailEnd type="arrow"/>
+          </a:ln>
+        </p:spPr>
+        <p:style>
+          <a:lnRef idx="1">
+            <a:schemeClr val="accent1"/>
+          </a:lnRef>
+          <a:fillRef idx="0">
+            <a:schemeClr val="accent1"/>
+          </a:fillRef>
+          <a:effectRef idx="0">
+            <a:schemeClr val="accent1"/>
+          </a:effectRef>
+          <a:fontRef idx="minor">
+            <a:schemeClr val="tx1"/>
+          </a:fontRef>
+        </p:style>
+      </p:cxnSp>
+      <p:cxnSp>
+        <p:nvCxnSpPr>
+          <p:cNvPr id="129" name="Straight Connector 128"/>
+          <p:cNvCxnSpPr/>
+          <p:nvPr/>
+        </p:nvCxnSpPr>
+        <p:spPr>
+          <a:xfrm>
+            <a:off x="7528196" y="4688580"/>
+            <a:ext cx="0" cy="1383588"/>
+          </a:xfrm>
+          <a:prstGeom prst="line">
+            <a:avLst/>
+          </a:prstGeom>
+          <a:ln w="9525">
+            <a:prstDash val="lgDashDotDot"/>
+          </a:ln>
+        </p:spPr>
+        <p:style>
+          <a:lnRef idx="1">
+            <a:schemeClr val="accent1"/>
+          </a:lnRef>
+          <a:fillRef idx="0">
+            <a:schemeClr val="accent1"/>
+          </a:fillRef>
+          <a:effectRef idx="0">
+            <a:schemeClr val="accent1"/>
+          </a:effectRef>
+          <a:fontRef idx="minor">
+            <a:schemeClr val="tx1"/>
+          </a:fontRef>
+        </p:style>
+      </p:cxnSp>
+      <p:sp>
+        <p:nvSpPr>
+          <p:cNvPr id="130" name="TextBox 129"/>
+          <p:cNvSpPr txBox="1"/>
+          <p:nvPr/>
+        </p:nvSpPr>
+        <p:spPr>
+          <a:xfrm>
+            <a:off x="7070472" y="4703962"/>
+            <a:ext cx="256802" cy="261610"/>
+          </a:xfrm>
+          <a:prstGeom prst="rect">
+            <a:avLst/>
+          </a:prstGeom>
+          <a:noFill/>
+        </p:spPr>
+        <p:txBody>
+          <a:bodyPr wrap="none" rtlCol="0">
+            <a:spAutoFit/>
+          </a:bodyPr>
+          <a:lstStyle/>
+          <a:p>
+            <a:r>
+              <a:rPr lang="en-US" sz="1050" dirty="0" smtClean="0"/>
+              <a:t>4</a:t>
+            </a:r>
+            <a:endParaRPr lang="en-US" sz="1050" dirty="0"/>
+          </a:p>
+        </p:txBody>
+      </p:sp>
+      <p:grpSp>
+        <p:nvGrpSpPr>
+          <p:cNvPr id="131" name="Group 130"/>
+          <p:cNvGrpSpPr/>
+          <p:nvPr/>
+        </p:nvGrpSpPr>
+        <p:grpSpPr>
+          <a:xfrm>
+            <a:off x="7672212" y="5013175"/>
+            <a:ext cx="457200" cy="720081"/>
+            <a:chOff x="1115616" y="1772815"/>
+            <a:chExt cx="457200" cy="720081"/>
+          </a:xfrm>
+        </p:grpSpPr>
+        <p:cxnSp>
+          <p:nvCxnSpPr>
+            <p:cNvPr id="132" name="Straight Arrow Connector 131"/>
+            <p:cNvCxnSpPr/>
+            <p:nvPr/>
+          </p:nvCxnSpPr>
+          <p:spPr>
+            <a:xfrm>
+              <a:off x="1115616" y="1772815"/>
+              <a:ext cx="457200" cy="288033"/>
+            </a:xfrm>
+            <a:prstGeom prst="straightConnector1">
+              <a:avLst/>
+            </a:prstGeom>
+            <a:ln>
+              <a:solidFill>
+                <a:schemeClr val="tx2"/>
+              </a:solidFill>
+              <a:tailEnd type="arrow"/>
+            </a:ln>
+          </p:spPr>
+          <p:style>
+            <a:lnRef idx="1">
+              <a:schemeClr val="accent1"/>
+            </a:lnRef>
+            <a:fillRef idx="0">
+              <a:schemeClr val="accent1"/>
+            </a:fillRef>
+            <a:effectRef idx="0">
+              <a:schemeClr val="accent1"/>
+            </a:effectRef>
+            <a:fontRef idx="minor">
+              <a:schemeClr val="tx1"/>
+            </a:fontRef>
+          </p:style>
+        </p:cxnSp>
+        <p:cxnSp>
+          <p:nvCxnSpPr>
+            <p:cNvPr id="133" name="Straight Arrow Connector 132"/>
+            <p:cNvCxnSpPr/>
+            <p:nvPr/>
+          </p:nvCxnSpPr>
+          <p:spPr>
+            <a:xfrm>
+              <a:off x="1115616" y="1772816"/>
+              <a:ext cx="457200" cy="440432"/>
+            </a:xfrm>
+            <a:prstGeom prst="straightConnector1">
+              <a:avLst/>
+            </a:prstGeom>
+            <a:ln>
+              <a:solidFill>
+                <a:schemeClr val="tx2"/>
+              </a:solidFill>
+              <a:tailEnd type="arrow"/>
+            </a:ln>
+          </p:spPr>
+          <p:style>
+            <a:lnRef idx="1">
+              <a:schemeClr val="accent1"/>
+            </a:lnRef>
+            <a:fillRef idx="0">
+              <a:schemeClr val="accent1"/>
+            </a:fillRef>
+            <a:effectRef idx="0">
+              <a:schemeClr val="accent1"/>
+            </a:effectRef>
+            <a:fontRef idx="minor">
+              <a:schemeClr val="tx1"/>
+            </a:fontRef>
+          </p:style>
+        </p:cxnSp>
+        <p:cxnSp>
+          <p:nvCxnSpPr>
+            <p:cNvPr id="134" name="Straight Arrow Connector 133"/>
+            <p:cNvCxnSpPr/>
+            <p:nvPr/>
+          </p:nvCxnSpPr>
+          <p:spPr>
+            <a:xfrm>
+              <a:off x="1115616" y="1772816"/>
+              <a:ext cx="457200" cy="576064"/>
+            </a:xfrm>
+            <a:prstGeom prst="straightConnector1">
+              <a:avLst/>
+            </a:prstGeom>
+            <a:ln>
+              <a:solidFill>
+                <a:schemeClr val="tx2"/>
+              </a:solidFill>
+              <a:tailEnd type="arrow"/>
+            </a:ln>
+          </p:spPr>
+          <p:style>
+            <a:lnRef idx="1">
+              <a:schemeClr val="accent1"/>
+            </a:lnRef>
+            <a:fillRef idx="0">
+              <a:schemeClr val="accent1"/>
+            </a:fillRef>
+            <a:effectRef idx="0">
+              <a:schemeClr val="accent1"/>
+            </a:effectRef>
+            <a:fontRef idx="minor">
+              <a:schemeClr val="tx1"/>
+            </a:fontRef>
+          </p:style>
+        </p:cxnSp>
+        <p:cxnSp>
+          <p:nvCxnSpPr>
+            <p:cNvPr id="135" name="Straight Arrow Connector 134"/>
+            <p:cNvCxnSpPr/>
+            <p:nvPr/>
+          </p:nvCxnSpPr>
+          <p:spPr>
+            <a:xfrm>
+              <a:off x="1115616" y="1772816"/>
+              <a:ext cx="457200" cy="720080"/>
+            </a:xfrm>
+            <a:prstGeom prst="straightConnector1">
+              <a:avLst/>
+            </a:prstGeom>
+            <a:ln>
+              <a:solidFill>
+                <a:schemeClr val="tx2"/>
+              </a:solidFill>
+              <a:tailEnd type="arrow"/>
+            </a:ln>
+          </p:spPr>
+          <p:style>
+            <a:lnRef idx="1">
+              <a:schemeClr val="accent1"/>
+            </a:lnRef>
+            <a:fillRef idx="0">
+              <a:schemeClr val="accent1"/>
+            </a:fillRef>
+            <a:effectRef idx="0">
+              <a:schemeClr val="accent1"/>
+            </a:effectRef>
+            <a:fontRef idx="minor">
+              <a:schemeClr val="tx1"/>
+            </a:fontRef>
+          </p:style>
+        </p:cxnSp>
+      </p:grpSp>
+      <p:sp>
+        <p:nvSpPr>
+          <p:cNvPr id="136" name="TextBox 135"/>
+          <p:cNvSpPr txBox="1"/>
+          <p:nvPr/>
+        </p:nvSpPr>
+        <p:spPr>
+          <a:xfrm>
+            <a:off x="7744220" y="4714436"/>
+            <a:ext cx="256802" cy="261610"/>
+          </a:xfrm>
+          <a:prstGeom prst="rect">
+            <a:avLst/>
+          </a:prstGeom>
+          <a:noFill/>
+        </p:spPr>
+        <p:txBody>
+          <a:bodyPr wrap="none" rtlCol="0">
+            <a:spAutoFit/>
+          </a:bodyPr>
+          <a:lstStyle/>
+          <a:p>
+            <a:r>
+              <a:rPr lang="en-US" sz="1050" dirty="0" smtClean="0"/>
+              <a:t>5</a:t>
+            </a:r>
+            <a:endParaRPr lang="en-US" sz="1050" dirty="0"/>
+          </a:p>
+        </p:txBody>
+      </p:sp>
+      <p:sp>
+        <p:nvSpPr>
+          <p:cNvPr id="137" name="TextBox 136"/>
+          <p:cNvSpPr txBox="1"/>
+          <p:nvPr/>
+        </p:nvSpPr>
+        <p:spPr>
+          <a:xfrm>
+            <a:off x="7601691" y="5776620"/>
+            <a:ext cx="598241" cy="246221"/>
+          </a:xfrm>
+          <a:prstGeom prst="rect">
+            <a:avLst/>
+          </a:prstGeom>
+          <a:noFill/>
+        </p:spPr>
+        <p:txBody>
+          <a:bodyPr wrap="none" rtlCol="0">
+            <a:spAutoFit/>
+          </a:bodyPr>
+          <a:lstStyle/>
+          <a:p>
+            <a:r>
+              <a:rPr lang="en-US" sz="1000" dirty="0" smtClean="0"/>
+              <a:t>Commit</a:t>
+            </a:r>
+            <a:endParaRPr lang="en-US" sz="1000" dirty="0"/>
+          </a:p>
+        </p:txBody>
+      </p:sp>
+      <p:sp>
+        <p:nvSpPr>
+          <p:cNvPr id="138" name="TextBox 137"/>
+          <p:cNvSpPr txBox="1"/>
+          <p:nvPr/>
+        </p:nvSpPr>
+        <p:spPr>
+          <a:xfrm>
+            <a:off x="7013566" y="5766768"/>
+            <a:ext cx="370614" cy="246221"/>
+          </a:xfrm>
+          <a:prstGeom prst="rect">
+            <a:avLst/>
+          </a:prstGeom>
+          <a:noFill/>
+        </p:spPr>
+        <p:txBody>
+          <a:bodyPr wrap="none" rtlCol="0">
+            <a:spAutoFit/>
+          </a:bodyPr>
+          <a:lstStyle/>
+          <a:p>
+            <a:r>
+              <a:rPr lang="en-US" sz="1000" dirty="0" smtClean="0"/>
+              <a:t>Ack</a:t>
+            </a:r>
+            <a:endParaRPr lang="en-US" sz="1000" dirty="0"/>
+          </a:p>
+        </p:txBody>
+      </p:sp>
+      <p:sp>
+        <p:nvSpPr>
+          <p:cNvPr id="139" name="TextBox 138"/>
+          <p:cNvSpPr txBox="1"/>
+          <p:nvPr/>
+        </p:nvSpPr>
+        <p:spPr>
+          <a:xfrm>
+            <a:off x="6111838" y="5733256"/>
+            <a:ext cx="697627" cy="400110"/>
+          </a:xfrm>
+          <a:prstGeom prst="rect">
+            <a:avLst/>
+          </a:prstGeom>
+          <a:noFill/>
+        </p:spPr>
+        <p:txBody>
+          <a:bodyPr wrap="none" rtlCol="0">
+            <a:spAutoFit/>
+          </a:bodyPr>
+          <a:lstStyle/>
+          <a:p>
+            <a:pPr algn="ctr"/>
+            <a:r>
+              <a:rPr lang="en-US" sz="1000" dirty="0" smtClean="0"/>
+              <a:t>Propose</a:t>
+            </a:r>
+            <a:br>
+              <a:rPr lang="en-US" sz="1000" dirty="0" smtClean="0"/>
+            </a:br>
+            <a:r>
+              <a:rPr lang="en-US" sz="1000" dirty="0" smtClean="0"/>
+              <a:t>new state</a:t>
+            </a:r>
+            <a:endParaRPr lang="en-US" sz="1000" dirty="0"/>
+          </a:p>
+        </p:txBody>
+      </p:sp>
+      <p:sp>
+        <p:nvSpPr>
+          <p:cNvPr id="140" name="TextBox 139"/>
+          <p:cNvSpPr txBox="1"/>
+          <p:nvPr/>
+        </p:nvSpPr>
+        <p:spPr>
+          <a:xfrm>
+            <a:off x="4495846" y="5733256"/>
+            <a:ext cx="713657" cy="400110"/>
+          </a:xfrm>
+          <a:prstGeom prst="rect">
+            <a:avLst/>
+          </a:prstGeom>
+          <a:noFill/>
+        </p:spPr>
+        <p:txBody>
+          <a:bodyPr wrap="none" rtlCol="0">
+            <a:spAutoFit/>
+          </a:bodyPr>
+          <a:lstStyle/>
+          <a:p>
+            <a:pPr algn="ctr"/>
+            <a:r>
+              <a:rPr lang="en-US" sz="1000" dirty="0" smtClean="0"/>
+              <a:t>Announce</a:t>
+            </a:r>
+            <a:br>
+              <a:rPr lang="en-US" sz="1000" dirty="0" smtClean="0"/>
+            </a:br>
+            <a:r>
+              <a:rPr lang="en-US" sz="1000" dirty="0" smtClean="0"/>
+              <a:t>leader</a:t>
+            </a:r>
+            <a:endParaRPr lang="en-US" sz="1000" dirty="0"/>
+          </a:p>
+        </p:txBody>
+      </p:sp>
+      <p:sp>
+        <p:nvSpPr>
+          <p:cNvPr id="141" name="TextBox 140"/>
+          <p:cNvSpPr txBox="1"/>
+          <p:nvPr/>
+        </p:nvSpPr>
+        <p:spPr>
+          <a:xfrm>
+            <a:off x="5483396" y="5765921"/>
+            <a:ext cx="370614" cy="246221"/>
+          </a:xfrm>
+          <a:prstGeom prst="rect">
+            <a:avLst/>
+          </a:prstGeom>
+          <a:noFill/>
+        </p:spPr>
+        <p:txBody>
+          <a:bodyPr wrap="none" rtlCol="0">
+            <a:spAutoFit/>
+          </a:bodyPr>
+          <a:lstStyle/>
+          <a:p>
+            <a:r>
+              <a:rPr lang="en-US" sz="1000" dirty="0" smtClean="0"/>
+              <a:t>Ack</a:t>
+            </a:r>
+            <a:endParaRPr lang="en-US" sz="1000" dirty="0"/>
+          </a:p>
+        </p:txBody>
+      </p:sp>
+      <p:sp>
+        <p:nvSpPr>
+          <p:cNvPr id="142" name="Rectangle 141"/>
+          <p:cNvSpPr/>
+          <p:nvPr/>
+        </p:nvSpPr>
+        <p:spPr>
+          <a:xfrm>
+            <a:off x="539552" y="1197540"/>
+            <a:ext cx="1872208" cy="1632567"/>
+          </a:xfrm>
+          <a:prstGeom prst="rect">
+            <a:avLst/>
+          </a:prstGeom>
+          <a:noFill/>
+          <a:ln>
+            <a:solidFill>
+              <a:schemeClr val="bg2">
+                <a:lumMod val="50000"/>
+              </a:schemeClr>
+            </a:solidFill>
+          </a:ln>
+        </p:spPr>
+        <p:style>
+          <a:lnRef idx="2">
+            <a:schemeClr val="accent1">
+              <a:shade val="50000"/>
+            </a:schemeClr>
+          </a:lnRef>
+          <a:fillRef idx="1">
+            <a:schemeClr val="accent1"/>
+          </a:fillRef>
+          <a:effectRef idx="0">
+            <a:schemeClr val="accent1"/>
+          </a:effectRef>
+          <a:fontRef idx="minor">
+            <a:schemeClr val="lt1"/>
+          </a:fontRef>
+        </p:style>
+        <p:txBody>
+          <a:bodyPr rtlCol="0" anchor="ctr"/>
+          <a:lstStyle/>
+          <a:p>
+            <a:pPr algn="ctr"/>
+            <a:endParaRPr lang="en-US"/>
+          </a:p>
+        </p:txBody>
+      </p:sp>
+      <p:sp>
+        <p:nvSpPr>
+          <p:cNvPr id="143" name="Rectangle 142"/>
+          <p:cNvSpPr/>
+          <p:nvPr/>
+        </p:nvSpPr>
+        <p:spPr>
+          <a:xfrm>
+            <a:off x="6134368" y="4608878"/>
+            <a:ext cx="2182048" cy="1463290"/>
+          </a:xfrm>
+          <a:prstGeom prst="rect">
+            <a:avLst/>
+          </a:prstGeom>
+          <a:noFill/>
+          <a:ln>
+            <a:solidFill>
+              <a:schemeClr val="bg2">
+                <a:lumMod val="50000"/>
+              </a:schemeClr>
+            </a:solidFill>
+          </a:ln>
+        </p:spPr>
+        <p:style>
+          <a:lnRef idx="2">
+            <a:schemeClr val="accent1">
+              <a:shade val="50000"/>
+            </a:schemeClr>
+          </a:lnRef>
+          <a:fillRef idx="1">
+            <a:schemeClr val="accent1"/>
+          </a:fillRef>
+          <a:effectRef idx="0">
+            <a:schemeClr val="accent1"/>
+          </a:effectRef>
+          <a:fontRef idx="minor">
+            <a:schemeClr val="lt1"/>
+          </a:fontRef>
+        </p:style>
+        <p:txBody>
+          <a:bodyPr rtlCol="0" anchor="ctr"/>
+          <a:lstStyle/>
+          <a:p>
+            <a:pPr algn="ctr"/>
+            <a:endParaRPr lang="en-US"/>
+          </a:p>
+        </p:txBody>
+      </p:sp>
+    </p:spTree>
+    <p:extLst>
+      <p:ext uri="{BB962C8B-B14F-4D97-AF65-F5344CB8AC3E}">
+        <p14:creationId xmlns:p14="http://schemas.microsoft.com/office/powerpoint/2010/main" val="2119948896"/>
       </p:ext>
     </p:extLst>
   </p:cSld>
